--- a/Spark Funds Presentation.pptx
+++ b/Spark Funds Presentation.pptx
@@ -5,19 +5,21 @@
     <p:sldMasterId id="2147483660" r:id="rId1"/>
   </p:sldMasterIdLst>
   <p:notesMasterIdLst>
-    <p:notesMasterId r:id="rId12"/>
+    <p:notesMasterId r:id="rId14"/>
   </p:notesMasterIdLst>
   <p:sldIdLst>
     <p:sldId id="256" r:id="rId2"/>
     <p:sldId id="257" r:id="rId3"/>
     <p:sldId id="258" r:id="rId4"/>
     <p:sldId id="259" r:id="rId5"/>
-    <p:sldId id="260" r:id="rId6"/>
-    <p:sldId id="267" r:id="rId7"/>
-    <p:sldId id="262" r:id="rId8"/>
-    <p:sldId id="268" r:id="rId9"/>
-    <p:sldId id="269" r:id="rId10"/>
-    <p:sldId id="265" r:id="rId11"/>
+    <p:sldId id="270" r:id="rId6"/>
+    <p:sldId id="271" r:id="rId7"/>
+    <p:sldId id="272" r:id="rId8"/>
+    <p:sldId id="262" r:id="rId9"/>
+    <p:sldId id="268" r:id="rId10"/>
+    <p:sldId id="269" r:id="rId11"/>
+    <p:sldId id="273" r:id="rId12"/>
+    <p:sldId id="265" r:id="rId13"/>
   </p:sldIdLst>
   <p:sldSz cx="12192000" cy="6858000"/>
   <p:notesSz cx="6858000" cy="9144000"/>
@@ -209,7 +211,7 @@
           <a:p>
             <a:fld id="{2E309023-AF2B-4043-B228-F191CADC9BB1}" type="datetimeFigureOut">
               <a:rPr lang="en-IN" smtClean="0"/>
-              <a:t>06-04-2017</a:t>
+              <a:t>01-02-2019</a:t>
             </a:fld>
             <a:endParaRPr lang="en-IN"/>
           </a:p>
@@ -608,7 +610,7 @@
           <a:p>
             <a:fld id="{70C018FE-C8D6-4A9C-A702-41F1E0C1C452}" type="datetimeFigureOut">
               <a:rPr lang="en-IN" smtClean="0"/>
-              <a:t>06-04-2017</a:t>
+              <a:t>01-02-2019</a:t>
             </a:fld>
             <a:endParaRPr lang="en-IN"/>
           </a:p>
@@ -778,7 +780,7 @@
           <a:p>
             <a:fld id="{70C018FE-C8D6-4A9C-A702-41F1E0C1C452}" type="datetimeFigureOut">
               <a:rPr lang="en-IN" smtClean="0"/>
-              <a:t>06-04-2017</a:t>
+              <a:t>01-02-2019</a:t>
             </a:fld>
             <a:endParaRPr lang="en-IN"/>
           </a:p>
@@ -958,7 +960,7 @@
           <a:p>
             <a:fld id="{70C018FE-C8D6-4A9C-A702-41F1E0C1C452}" type="datetimeFigureOut">
               <a:rPr lang="en-IN" smtClean="0"/>
-              <a:t>06-04-2017</a:t>
+              <a:t>01-02-2019</a:t>
             </a:fld>
             <a:endParaRPr lang="en-IN"/>
           </a:p>
@@ -1390,7 +1392,7 @@
           <a:p>
             <a:fld id="{70C018FE-C8D6-4A9C-A702-41F1E0C1C452}" type="datetimeFigureOut">
               <a:rPr lang="en-IN" smtClean="0"/>
-              <a:t>06-04-2017</a:t>
+              <a:t>01-02-2019</a:t>
             </a:fld>
             <a:endParaRPr lang="en-IN"/>
           </a:p>
@@ -1622,7 +1624,7 @@
           <a:p>
             <a:fld id="{70C018FE-C8D6-4A9C-A702-41F1E0C1C452}" type="datetimeFigureOut">
               <a:rPr lang="en-IN" smtClean="0"/>
-              <a:t>06-04-2017</a:t>
+              <a:t>01-02-2019</a:t>
             </a:fld>
             <a:endParaRPr lang="en-IN"/>
           </a:p>
@@ -1989,7 +1991,7 @@
           <a:p>
             <a:fld id="{70C018FE-C8D6-4A9C-A702-41F1E0C1C452}" type="datetimeFigureOut">
               <a:rPr lang="en-IN" smtClean="0"/>
-              <a:t>06-04-2017</a:t>
+              <a:t>01-02-2019</a:t>
             </a:fld>
             <a:endParaRPr lang="en-IN"/>
           </a:p>
@@ -2107,7 +2109,7 @@
           <a:p>
             <a:fld id="{70C018FE-C8D6-4A9C-A702-41F1E0C1C452}" type="datetimeFigureOut">
               <a:rPr lang="en-IN" smtClean="0"/>
-              <a:t>06-04-2017</a:t>
+              <a:t>01-02-2019</a:t>
             </a:fld>
             <a:endParaRPr lang="en-IN"/>
           </a:p>
@@ -2202,7 +2204,7 @@
           <a:p>
             <a:fld id="{70C018FE-C8D6-4A9C-A702-41F1E0C1C452}" type="datetimeFigureOut">
               <a:rPr lang="en-IN" smtClean="0"/>
-              <a:t>06-04-2017</a:t>
+              <a:t>01-02-2019</a:t>
             </a:fld>
             <a:endParaRPr lang="en-IN"/>
           </a:p>
@@ -2478,7 +2480,7 @@
           <a:p>
             <a:fld id="{70C018FE-C8D6-4A9C-A702-41F1E0C1C452}" type="datetimeFigureOut">
               <a:rPr lang="en-IN" smtClean="0"/>
-              <a:t>06-04-2017</a:t>
+              <a:t>01-02-2019</a:t>
             </a:fld>
             <a:endParaRPr lang="en-IN"/>
           </a:p>
@@ -2735,7 +2737,7 @@
           <a:p>
             <a:fld id="{70C018FE-C8D6-4A9C-A702-41F1E0C1C452}" type="datetimeFigureOut">
               <a:rPr lang="en-IN" smtClean="0"/>
-              <a:t>06-04-2017</a:t>
+              <a:t>01-02-2019</a:t>
             </a:fld>
             <a:endParaRPr lang="en-IN"/>
           </a:p>
@@ -2946,7 +2948,7 @@
           <a:p>
             <a:fld id="{70C018FE-C8D6-4A9C-A702-41F1E0C1C452}" type="datetimeFigureOut">
               <a:rPr lang="en-IN" smtClean="0"/>
-              <a:t>06-04-2017</a:t>
+              <a:t>01-02-2019</a:t>
             </a:fld>
             <a:endParaRPr lang="en-IN" dirty="0"/>
           </a:p>
@@ -3514,7 +3516,15 @@
             </a:pPr>
             <a:r>
               <a:rPr lang="en-IN" sz="1800" dirty="0"/>
-              <a:t> Member name</a:t>
+              <a:t> </a:t>
+            </a:r>
+            <a:r>
+              <a:rPr lang="en-IN" sz="1800" dirty="0" err="1"/>
+              <a:t>Abhijith</a:t>
+            </a:r>
+            <a:r>
+              <a:rPr lang="en-IN" sz="1800" dirty="0"/>
+              <a:t> NV</a:t>
             </a:r>
           </a:p>
           <a:p>
@@ -3524,7 +3534,7 @@
             </a:pPr>
             <a:r>
               <a:rPr lang="en-IN" sz="1800" dirty="0"/>
-              <a:t> Member name</a:t>
+              <a:t> Srividya Ravichandran</a:t>
             </a:r>
           </a:p>
           <a:p>
@@ -3534,7 +3544,15 @@
             </a:pPr>
             <a:r>
               <a:rPr lang="en-IN" sz="1800" dirty="0"/>
-              <a:t> Member name</a:t>
+              <a:t> </a:t>
+            </a:r>
+            <a:r>
+              <a:rPr lang="en-IN" sz="1800" dirty="0" err="1"/>
+              <a:t>Nanditha</a:t>
+            </a:r>
+            <a:r>
+              <a:rPr lang="en-IN" sz="1800" dirty="0"/>
+              <a:t> GN</a:t>
             </a:r>
           </a:p>
           <a:p>
@@ -3544,7 +3562,7 @@
             </a:pPr>
             <a:r>
               <a:rPr lang="en-IN" sz="1800" dirty="0"/>
-              <a:t> Member name</a:t>
+              <a:t> Krishnan Raghupathi</a:t>
             </a:r>
           </a:p>
           <a:p>
@@ -3588,31 +3606,7 @@
       </p:grpSpPr>
       <p:sp>
         <p:nvSpPr>
-          <p:cNvPr id="3" name="Content Placeholder 2"/>
-          <p:cNvSpPr>
-            <a:spLocks noGrp="1"/>
-          </p:cNvSpPr>
-          <p:nvPr>
-            <p:ph idx="1"/>
-          </p:nvPr>
-        </p:nvSpPr>
-        <p:spPr/>
-        <p:txBody>
-          <a:bodyPr>
-            <a:normAutofit/>
-          </a:bodyPr>
-          <a:lstStyle/>
-          <a:p>
-            <a:pPr marL="0" indent="0">
-              <a:buNone/>
-            </a:pPr>
-            <a:endParaRPr lang="en-IN" sz="1400" dirty="0"/>
-          </a:p>
-        </p:txBody>
-      </p:sp>
-      <p:sp>
-        <p:nvSpPr>
-          <p:cNvPr id="5" name="Title 1"/>
+          <p:cNvPr id="6" name="Title 1"/>
           <p:cNvSpPr>
             <a:spLocks noGrp="1"/>
           </p:cNvSpPr>
@@ -3635,8 +3629,193 @@
               <a:t> </a:t>
             </a:r>
             <a:r>
-              <a:rPr lang="en-IN" sz="2800" dirty="0"/>
-              <a:t>&lt;Conclusions&gt;</a:t>
+              <a:rPr lang="en-IN" sz="2800" b="1" dirty="0"/>
+              <a:t>Plot 3 – # of investments across countries and sectors</a:t>
+            </a:r>
+            <a:endParaRPr lang="en-IN" sz="2800" dirty="0"/>
+          </a:p>
+        </p:txBody>
+      </p:sp>
+    </p:spTree>
+    <p:extLst>
+      <p:ext uri="{BB962C8B-B14F-4D97-AF65-F5344CB8AC3E}">
+        <p14:creationId xmlns:p14="http://schemas.microsoft.com/office/powerpoint/2010/main" val="1835958945"/>
+      </p:ext>
+    </p:extLst>
+  </p:cSld>
+  <p:clrMapOvr>
+    <a:masterClrMapping/>
+  </p:clrMapOvr>
+</p:sld>
+</file>
+
+<file path=ppt/slides/slide11.xml><?xml version="1.0" encoding="utf-8"?>
+<p:sld xmlns:a="http://schemas.openxmlformats.org/drawingml/2006/main" xmlns:r="http://schemas.openxmlformats.org/officeDocument/2006/relationships" xmlns:p="http://schemas.openxmlformats.org/presentationml/2006/main">
+  <p:cSld>
+    <p:spTree>
+      <p:nvGrpSpPr>
+        <p:cNvPr id="1" name=""/>
+        <p:cNvGrpSpPr/>
+        <p:nvPr/>
+      </p:nvGrpSpPr>
+      <p:grpSpPr>
+        <a:xfrm>
+          <a:off x="0" y="0"/>
+          <a:ext cx="0" cy="0"/>
+          <a:chOff x="0" y="0"/>
+          <a:chExt cx="0" cy="0"/>
+        </a:xfrm>
+      </p:grpSpPr>
+      <p:sp>
+        <p:nvSpPr>
+          <p:cNvPr id="3" name="Content Placeholder 2"/>
+          <p:cNvSpPr>
+            <a:spLocks noGrp="1"/>
+          </p:cNvSpPr>
+          <p:nvPr>
+            <p:ph idx="1"/>
+          </p:nvPr>
+        </p:nvSpPr>
+        <p:spPr/>
+        <p:txBody>
+          <a:bodyPr>
+            <a:normAutofit/>
+          </a:bodyPr>
+          <a:lstStyle/>
+          <a:p>
+            <a:pPr marL="0" indent="0">
+              <a:buNone/>
+            </a:pPr>
+            <a:r>
+              <a:rPr lang="en-IN" sz="1400" dirty="0"/>
+              <a:t> Put down our inferences after analysis &amp; observations from the excel sheet and the 3 plots</a:t>
+            </a:r>
+          </a:p>
+        </p:txBody>
+      </p:sp>
+      <p:sp>
+        <p:nvSpPr>
+          <p:cNvPr id="6" name="Title 1">
+            <a:extLst>
+              <a:ext uri="{FF2B5EF4-FFF2-40B4-BE49-F238E27FC236}">
+                <a16:creationId xmlns:a16="http://schemas.microsoft.com/office/drawing/2014/main" id="{C9ED24FB-F1DF-43A2-A28A-E1B9714DF31A}"/>
+              </a:ext>
+            </a:extLst>
+          </p:cNvPr>
+          <p:cNvSpPr>
+            <a:spLocks noGrp="1"/>
+          </p:cNvSpPr>
+          <p:nvPr>
+            <p:ph type="title"/>
+          </p:nvPr>
+        </p:nvSpPr>
+        <p:spPr>
+          <a:xfrm>
+            <a:off x="404949" y="800336"/>
+            <a:ext cx="11168742" cy="856138"/>
+          </a:xfrm>
+        </p:spPr>
+        <p:txBody>
+          <a:bodyPr>
+            <a:normAutofit/>
+          </a:bodyPr>
+          <a:lstStyle/>
+          <a:p>
+            <a:r>
+              <a:rPr lang="en-IN" sz="3600" b="1" dirty="0"/>
+              <a:t>Summarization	</a:t>
+            </a:r>
+          </a:p>
+        </p:txBody>
+      </p:sp>
+    </p:spTree>
+    <p:extLst>
+      <p:ext uri="{BB962C8B-B14F-4D97-AF65-F5344CB8AC3E}">
+        <p14:creationId xmlns:p14="http://schemas.microsoft.com/office/powerpoint/2010/main" val="3345117839"/>
+      </p:ext>
+    </p:extLst>
+  </p:cSld>
+  <p:clrMapOvr>
+    <a:masterClrMapping/>
+  </p:clrMapOvr>
+</p:sld>
+</file>
+
+<file path=ppt/slides/slide12.xml><?xml version="1.0" encoding="utf-8"?>
+<p:sld xmlns:a="http://schemas.openxmlformats.org/drawingml/2006/main" xmlns:r="http://schemas.openxmlformats.org/officeDocument/2006/relationships" xmlns:p="http://schemas.openxmlformats.org/presentationml/2006/main">
+  <p:cSld>
+    <p:spTree>
+      <p:nvGrpSpPr>
+        <p:cNvPr id="1" name=""/>
+        <p:cNvGrpSpPr/>
+        <p:nvPr/>
+      </p:nvGrpSpPr>
+      <p:grpSpPr>
+        <a:xfrm>
+          <a:off x="0" y="0"/>
+          <a:ext cx="0" cy="0"/>
+          <a:chOff x="0" y="0"/>
+          <a:chExt cx="0" cy="0"/>
+        </a:xfrm>
+      </p:grpSpPr>
+      <p:sp>
+        <p:nvSpPr>
+          <p:cNvPr id="3" name="Content Placeholder 2"/>
+          <p:cNvSpPr>
+            <a:spLocks noGrp="1"/>
+          </p:cNvSpPr>
+          <p:nvPr>
+            <p:ph idx="1"/>
+          </p:nvPr>
+        </p:nvSpPr>
+        <p:spPr/>
+        <p:txBody>
+          <a:bodyPr>
+            <a:normAutofit/>
+          </a:bodyPr>
+          <a:lstStyle/>
+          <a:p>
+            <a:pPr marL="0" indent="0">
+              <a:buNone/>
+            </a:pPr>
+            <a:r>
+              <a:rPr lang="en-IN" sz="1400" dirty="0"/>
+              <a:t>Put down our investment recommendations to the CEO of Spark Funds </a:t>
+            </a:r>
+          </a:p>
+        </p:txBody>
+      </p:sp>
+      <p:sp>
+        <p:nvSpPr>
+          <p:cNvPr id="6" name="Title 1">
+            <a:extLst>
+              <a:ext uri="{FF2B5EF4-FFF2-40B4-BE49-F238E27FC236}">
+                <a16:creationId xmlns:a16="http://schemas.microsoft.com/office/drawing/2014/main" id="{BB26C5FD-2A30-48F0-AFAE-E61E67137864}"/>
+              </a:ext>
+            </a:extLst>
+          </p:cNvPr>
+          <p:cNvSpPr>
+            <a:spLocks noGrp="1"/>
+          </p:cNvSpPr>
+          <p:nvPr>
+            <p:ph type="title"/>
+          </p:nvPr>
+        </p:nvSpPr>
+        <p:spPr>
+          <a:xfrm>
+            <a:off x="404949" y="800336"/>
+            <a:ext cx="11168742" cy="856138"/>
+          </a:xfrm>
+        </p:spPr>
+        <p:txBody>
+          <a:bodyPr>
+            <a:normAutofit/>
+          </a:bodyPr>
+          <a:lstStyle/>
+          <a:p>
+            <a:r>
+              <a:rPr lang="en-IN" sz="3600" b="1" dirty="0"/>
+              <a:t>Conclusions	</a:t>
             </a:r>
           </a:p>
         </p:txBody>
@@ -3688,10 +3867,52 @@
           </a:bodyPr>
           <a:lstStyle/>
           <a:p>
-            <a:pPr marL="0" indent="0">
-              <a:buNone/>
-            </a:pPr>
-            <a:endParaRPr lang="en-IN" sz="1400" dirty="0"/>
+            <a:r>
+              <a:rPr lang="en-IN" dirty="0"/>
+              <a:t>Identify the best sectors, countries and suitable investment type for making investments</a:t>
+            </a:r>
+          </a:p>
+          <a:p>
+            <a:endParaRPr lang="en-IN" dirty="0"/>
+          </a:p>
+          <a:p>
+            <a:r>
+              <a:rPr lang="en-IN" dirty="0"/>
+              <a:t>Provide recommendations to the CEO of Spark Funds on the best sectors, countries and companies that Spark Funds should invest in</a:t>
+            </a:r>
+          </a:p>
+          <a:p>
+            <a:endParaRPr lang="en-IN" dirty="0"/>
+          </a:p>
+          <a:p>
+            <a:r>
+              <a:rPr lang="en-IN" dirty="0"/>
+              <a:t>Ensure that the recommendations are aligned with the following constraints</a:t>
+            </a:r>
+          </a:p>
+          <a:p>
+            <a:pPr lvl="1"/>
+            <a:r>
+              <a:rPr lang="en-IN" sz="2000" dirty="0"/>
+              <a:t>Investment round should be in the range of  $5 to $15 million</a:t>
+            </a:r>
+          </a:p>
+          <a:p>
+            <a:pPr lvl="1"/>
+            <a:r>
+              <a:rPr lang="en-IN" sz="2000" dirty="0"/>
+              <a:t>Companies should be in English-speaking countries</a:t>
+            </a:r>
+          </a:p>
+          <a:p>
+            <a:pPr lvl="1"/>
+            <a:r>
+              <a:rPr lang="en-IN" sz="2000" dirty="0"/>
+              <a:t>Investments should be in where others are also investing</a:t>
+            </a:r>
+          </a:p>
+          <a:p>
+            <a:endParaRPr lang="en-IN" sz="1800" dirty="0"/>
           </a:p>
         </p:txBody>
       </p:sp>
@@ -3707,21 +3928,19 @@
         </p:nvSpPr>
         <p:spPr>
           <a:xfrm>
-            <a:off x="1136469" y="640080"/>
-            <a:ext cx="9313817" cy="856138"/>
+            <a:off x="404949" y="800336"/>
+            <a:ext cx="11168742" cy="856138"/>
           </a:xfrm>
         </p:spPr>
         <p:txBody>
-          <a:bodyPr/>
-          <a:lstStyle/>
-          <a:p>
-            <a:r>
-              <a:rPr lang="en-IN" b="1" dirty="0"/>
-              <a:t> </a:t>
-            </a:r>
-            <a:r>
-              <a:rPr lang="en-IN" sz="2800" dirty="0"/>
-              <a:t>&lt;Abstract&gt;</a:t>
+          <a:bodyPr>
+            <a:normAutofit/>
+          </a:bodyPr>
+          <a:lstStyle/>
+          <a:p>
+            <a:r>
+              <a:rPr lang="en-IN" sz="3600" b="1" dirty="0"/>
+              <a:t>Key Objectives	</a:t>
             </a:r>
           </a:p>
         </p:txBody>
@@ -3758,33 +3977,6 @@
       </p:grpSpPr>
       <p:sp>
         <p:nvSpPr>
-          <p:cNvPr id="3" name="Content Placeholder 2"/>
-          <p:cNvSpPr>
-            <a:spLocks noGrp="1"/>
-          </p:cNvSpPr>
-          <p:nvPr>
-            <p:ph idx="1"/>
-          </p:nvPr>
-        </p:nvSpPr>
-        <p:spPr/>
-        <p:txBody>
-          <a:bodyPr>
-            <a:normAutofit/>
-          </a:bodyPr>
-          <a:lstStyle/>
-          <a:p>
-            <a:pPr marL="0" indent="0">
-              <a:buNone/>
-            </a:pPr>
-            <a:r>
-              <a:rPr lang="en-IN" sz="1800" dirty="0"/>
-              <a:t>Use flow chart</a:t>
-            </a:r>
-          </a:p>
-        </p:txBody>
-      </p:sp>
-      <p:sp>
-        <p:nvSpPr>
           <p:cNvPr id="5" name="Title 1"/>
           <p:cNvSpPr>
             <a:spLocks noGrp="1"/>
@@ -3804,16 +3996,691 @@
           <a:lstStyle/>
           <a:p>
             <a:r>
-              <a:rPr lang="en-IN" b="1" dirty="0"/>
-              <a:t> </a:t>
-            </a:r>
-            <a:r>
-              <a:rPr lang="en-IN" sz="2800" dirty="0"/>
-              <a:t>&lt;Problem solving methodology&gt;</a:t>
-            </a:r>
-          </a:p>
-        </p:txBody>
-      </p:sp>
+              <a:rPr lang="en-IN" sz="2800" b="1" dirty="0"/>
+              <a:t>Process Workflow</a:t>
+            </a:r>
+            <a:endParaRPr lang="en-IN" sz="2800" dirty="0"/>
+          </a:p>
+        </p:txBody>
+      </p:sp>
+      <p:sp>
+        <p:nvSpPr>
+          <p:cNvPr id="4" name="Rectangle: Rounded Corners 3">
+            <a:extLst>
+              <a:ext uri="{FF2B5EF4-FFF2-40B4-BE49-F238E27FC236}">
+                <a16:creationId xmlns:a16="http://schemas.microsoft.com/office/drawing/2014/main" id="{E699CFA2-ED1E-42B7-A259-764412F7379A}"/>
+              </a:ext>
+            </a:extLst>
+          </p:cNvPr>
+          <p:cNvSpPr/>
+          <p:nvPr/>
+        </p:nvSpPr>
+        <p:spPr>
+          <a:xfrm>
+            <a:off x="518474" y="1913641"/>
+            <a:ext cx="2705493" cy="1018095"/>
+          </a:xfrm>
+          <a:prstGeom prst="roundRect">
+            <a:avLst/>
+          </a:prstGeom>
+          <a:gradFill>
+            <a:gsLst>
+              <a:gs pos="0">
+                <a:schemeClr val="accent1">
+                  <a:lumMod val="5000"/>
+                  <a:lumOff val="95000"/>
+                </a:schemeClr>
+              </a:gs>
+              <a:gs pos="74000">
+                <a:schemeClr val="accent1">
+                  <a:lumMod val="45000"/>
+                  <a:lumOff val="55000"/>
+                </a:schemeClr>
+              </a:gs>
+              <a:gs pos="83000">
+                <a:schemeClr val="accent1">
+                  <a:lumMod val="45000"/>
+                  <a:lumOff val="55000"/>
+                </a:schemeClr>
+              </a:gs>
+              <a:gs pos="100000">
+                <a:schemeClr val="accent1">
+                  <a:lumMod val="30000"/>
+                  <a:lumOff val="70000"/>
+                </a:schemeClr>
+              </a:gs>
+            </a:gsLst>
+            <a:lin ang="5400000" scaled="1"/>
+          </a:gradFill>
+        </p:spPr>
+        <p:style>
+          <a:lnRef idx="2">
+            <a:schemeClr val="dk1"/>
+          </a:lnRef>
+          <a:fillRef idx="1">
+            <a:schemeClr val="lt1"/>
+          </a:fillRef>
+          <a:effectRef idx="0">
+            <a:schemeClr val="dk1"/>
+          </a:effectRef>
+          <a:fontRef idx="minor">
+            <a:schemeClr val="dk1"/>
+          </a:fontRef>
+        </p:style>
+        <p:txBody>
+          <a:bodyPr rtlCol="0" anchor="ctr"/>
+          <a:lstStyle/>
+          <a:p>
+            <a:pPr algn="ctr"/>
+            <a:r>
+              <a:rPr lang="en-US" dirty="0"/>
+              <a:t>Business Understanding</a:t>
+            </a:r>
+          </a:p>
+        </p:txBody>
+      </p:sp>
+      <p:sp>
+        <p:nvSpPr>
+          <p:cNvPr id="6" name="Rectangle: Rounded Corners 5">
+            <a:extLst>
+              <a:ext uri="{FF2B5EF4-FFF2-40B4-BE49-F238E27FC236}">
+                <a16:creationId xmlns:a16="http://schemas.microsoft.com/office/drawing/2014/main" id="{C375B7C8-7191-4A87-B756-27EFABDA21D9}"/>
+              </a:ext>
+            </a:extLst>
+          </p:cNvPr>
+          <p:cNvSpPr/>
+          <p:nvPr/>
+        </p:nvSpPr>
+        <p:spPr>
+          <a:xfrm>
+            <a:off x="4592425" y="1913640"/>
+            <a:ext cx="2705493" cy="1018095"/>
+          </a:xfrm>
+          <a:prstGeom prst="roundRect">
+            <a:avLst/>
+          </a:prstGeom>
+          <a:gradFill>
+            <a:gsLst>
+              <a:gs pos="0">
+                <a:schemeClr val="accent1">
+                  <a:lumMod val="5000"/>
+                  <a:lumOff val="95000"/>
+                </a:schemeClr>
+              </a:gs>
+              <a:gs pos="74000">
+                <a:schemeClr val="accent1">
+                  <a:lumMod val="45000"/>
+                  <a:lumOff val="55000"/>
+                </a:schemeClr>
+              </a:gs>
+              <a:gs pos="83000">
+                <a:schemeClr val="accent1">
+                  <a:lumMod val="45000"/>
+                  <a:lumOff val="55000"/>
+                </a:schemeClr>
+              </a:gs>
+              <a:gs pos="100000">
+                <a:schemeClr val="accent1">
+                  <a:lumMod val="30000"/>
+                  <a:lumOff val="70000"/>
+                </a:schemeClr>
+              </a:gs>
+            </a:gsLst>
+            <a:lin ang="5400000" scaled="1"/>
+          </a:gradFill>
+        </p:spPr>
+        <p:style>
+          <a:lnRef idx="2">
+            <a:schemeClr val="accent6"/>
+          </a:lnRef>
+          <a:fillRef idx="1">
+            <a:schemeClr val="lt1"/>
+          </a:fillRef>
+          <a:effectRef idx="0">
+            <a:schemeClr val="accent6"/>
+          </a:effectRef>
+          <a:fontRef idx="minor">
+            <a:schemeClr val="dk1"/>
+          </a:fontRef>
+        </p:style>
+        <p:txBody>
+          <a:bodyPr rtlCol="0" anchor="ctr"/>
+          <a:lstStyle/>
+          <a:p>
+            <a:pPr algn="ctr"/>
+            <a:r>
+              <a:rPr lang="en-US" dirty="0"/>
+              <a:t>Data Understanding</a:t>
+            </a:r>
+          </a:p>
+        </p:txBody>
+      </p:sp>
+      <p:cxnSp>
+        <p:nvCxnSpPr>
+          <p:cNvPr id="8" name="Straight Arrow Connector 7">
+            <a:extLst>
+              <a:ext uri="{FF2B5EF4-FFF2-40B4-BE49-F238E27FC236}">
+                <a16:creationId xmlns:a16="http://schemas.microsoft.com/office/drawing/2014/main" id="{139ECC65-2216-4FA9-913D-E28F6418516C}"/>
+              </a:ext>
+            </a:extLst>
+          </p:cNvPr>
+          <p:cNvCxnSpPr>
+            <a:stCxn id="4" idx="3"/>
+            <a:endCxn id="6" idx="1"/>
+          </p:cNvCxnSpPr>
+          <p:nvPr/>
+        </p:nvCxnSpPr>
+        <p:spPr>
+          <a:xfrm flipV="1">
+            <a:off x="3223967" y="2422688"/>
+            <a:ext cx="1368458" cy="1"/>
+          </a:xfrm>
+          <a:prstGeom prst="straightConnector1">
+            <a:avLst/>
+          </a:prstGeom>
+          <a:ln w="38100">
+            <a:solidFill>
+              <a:schemeClr val="tx1"/>
+            </a:solidFill>
+            <a:tailEnd type="stealth" w="lg" len="lg"/>
+          </a:ln>
+        </p:spPr>
+        <p:style>
+          <a:lnRef idx="1">
+            <a:schemeClr val="accent1"/>
+          </a:lnRef>
+          <a:fillRef idx="0">
+            <a:schemeClr val="accent1"/>
+          </a:fillRef>
+          <a:effectRef idx="0">
+            <a:schemeClr val="accent1"/>
+          </a:effectRef>
+          <a:fontRef idx="minor">
+            <a:schemeClr val="tx1"/>
+          </a:fontRef>
+        </p:style>
+      </p:cxnSp>
+      <p:sp>
+        <p:nvSpPr>
+          <p:cNvPr id="9" name="Rectangle: Rounded Corners 8">
+            <a:extLst>
+              <a:ext uri="{FF2B5EF4-FFF2-40B4-BE49-F238E27FC236}">
+                <a16:creationId xmlns:a16="http://schemas.microsoft.com/office/drawing/2014/main" id="{CA115E60-AEB0-48AB-B337-E1E4AB310384}"/>
+              </a:ext>
+            </a:extLst>
+          </p:cNvPr>
+          <p:cNvSpPr/>
+          <p:nvPr/>
+        </p:nvSpPr>
+        <p:spPr>
+          <a:xfrm>
+            <a:off x="8666376" y="1913639"/>
+            <a:ext cx="2705493" cy="1018095"/>
+          </a:xfrm>
+          <a:prstGeom prst="roundRect">
+            <a:avLst/>
+          </a:prstGeom>
+          <a:gradFill>
+            <a:gsLst>
+              <a:gs pos="0">
+                <a:schemeClr val="accent1">
+                  <a:lumMod val="5000"/>
+                  <a:lumOff val="95000"/>
+                </a:schemeClr>
+              </a:gs>
+              <a:gs pos="74000">
+                <a:schemeClr val="accent1">
+                  <a:lumMod val="45000"/>
+                  <a:lumOff val="55000"/>
+                </a:schemeClr>
+              </a:gs>
+              <a:gs pos="83000">
+                <a:schemeClr val="accent1">
+                  <a:lumMod val="45000"/>
+                  <a:lumOff val="55000"/>
+                </a:schemeClr>
+              </a:gs>
+              <a:gs pos="100000">
+                <a:schemeClr val="accent1">
+                  <a:lumMod val="30000"/>
+                  <a:lumOff val="70000"/>
+                </a:schemeClr>
+              </a:gs>
+            </a:gsLst>
+            <a:lin ang="5400000" scaled="1"/>
+          </a:gradFill>
+        </p:spPr>
+        <p:style>
+          <a:lnRef idx="2">
+            <a:schemeClr val="accent6"/>
+          </a:lnRef>
+          <a:fillRef idx="1">
+            <a:schemeClr val="lt1"/>
+          </a:fillRef>
+          <a:effectRef idx="0">
+            <a:schemeClr val="accent6"/>
+          </a:effectRef>
+          <a:fontRef idx="minor">
+            <a:schemeClr val="dk1"/>
+          </a:fontRef>
+        </p:style>
+        <p:txBody>
+          <a:bodyPr rtlCol="0" anchor="ctr"/>
+          <a:lstStyle/>
+          <a:p>
+            <a:pPr algn="ctr"/>
+            <a:r>
+              <a:rPr lang="en-US" dirty="0"/>
+              <a:t>Data Preparation</a:t>
+            </a:r>
+          </a:p>
+        </p:txBody>
+      </p:sp>
+      <p:cxnSp>
+        <p:nvCxnSpPr>
+          <p:cNvPr id="10" name="Straight Arrow Connector 9">
+            <a:extLst>
+              <a:ext uri="{FF2B5EF4-FFF2-40B4-BE49-F238E27FC236}">
+                <a16:creationId xmlns:a16="http://schemas.microsoft.com/office/drawing/2014/main" id="{CD2B2FF3-DD92-4550-A987-E4774DC55861}"/>
+              </a:ext>
+            </a:extLst>
+          </p:cNvPr>
+          <p:cNvCxnSpPr/>
+          <p:nvPr/>
+        </p:nvCxnSpPr>
+        <p:spPr>
+          <a:xfrm flipV="1">
+            <a:off x="7297918" y="2422685"/>
+            <a:ext cx="1368458" cy="1"/>
+          </a:xfrm>
+          <a:prstGeom prst="straightConnector1">
+            <a:avLst/>
+          </a:prstGeom>
+          <a:ln w="38100">
+            <a:solidFill>
+              <a:schemeClr val="tx1"/>
+            </a:solidFill>
+            <a:tailEnd type="stealth" w="lg" len="lg"/>
+          </a:ln>
+        </p:spPr>
+        <p:style>
+          <a:lnRef idx="1">
+            <a:schemeClr val="accent1"/>
+          </a:lnRef>
+          <a:fillRef idx="0">
+            <a:schemeClr val="accent1"/>
+          </a:fillRef>
+          <a:effectRef idx="0">
+            <a:schemeClr val="accent1"/>
+          </a:effectRef>
+          <a:fontRef idx="minor">
+            <a:schemeClr val="tx1"/>
+          </a:fontRef>
+        </p:style>
+      </p:cxnSp>
+      <p:sp>
+        <p:nvSpPr>
+          <p:cNvPr id="11" name="Rectangle: Rounded Corners 10">
+            <a:extLst>
+              <a:ext uri="{FF2B5EF4-FFF2-40B4-BE49-F238E27FC236}">
+                <a16:creationId xmlns:a16="http://schemas.microsoft.com/office/drawing/2014/main" id="{2CEBC9DA-DEA4-43B1-88B3-87C1BBA37FC6}"/>
+              </a:ext>
+            </a:extLst>
+          </p:cNvPr>
+          <p:cNvSpPr/>
+          <p:nvPr/>
+        </p:nvSpPr>
+        <p:spPr>
+          <a:xfrm>
+            <a:off x="8686696" y="4352039"/>
+            <a:ext cx="2705493" cy="1018095"/>
+          </a:xfrm>
+          <a:prstGeom prst="roundRect">
+            <a:avLst/>
+          </a:prstGeom>
+          <a:gradFill>
+            <a:gsLst>
+              <a:gs pos="0">
+                <a:schemeClr val="accent1">
+                  <a:lumMod val="5000"/>
+                  <a:lumOff val="95000"/>
+                </a:schemeClr>
+              </a:gs>
+              <a:gs pos="74000">
+                <a:schemeClr val="accent1">
+                  <a:lumMod val="45000"/>
+                  <a:lumOff val="55000"/>
+                </a:schemeClr>
+              </a:gs>
+              <a:gs pos="83000">
+                <a:schemeClr val="accent1">
+                  <a:lumMod val="45000"/>
+                  <a:lumOff val="55000"/>
+                </a:schemeClr>
+              </a:gs>
+              <a:gs pos="100000">
+                <a:schemeClr val="accent1">
+                  <a:lumMod val="30000"/>
+                  <a:lumOff val="70000"/>
+                </a:schemeClr>
+              </a:gs>
+            </a:gsLst>
+            <a:lin ang="5400000" scaled="1"/>
+          </a:gradFill>
+        </p:spPr>
+        <p:style>
+          <a:lnRef idx="2">
+            <a:schemeClr val="accent6"/>
+          </a:lnRef>
+          <a:fillRef idx="1">
+            <a:schemeClr val="lt1"/>
+          </a:fillRef>
+          <a:effectRef idx="0">
+            <a:schemeClr val="accent6"/>
+          </a:effectRef>
+          <a:fontRef idx="minor">
+            <a:schemeClr val="dk1"/>
+          </a:fontRef>
+        </p:style>
+        <p:txBody>
+          <a:bodyPr rtlCol="0" anchor="ctr"/>
+          <a:lstStyle/>
+          <a:p>
+            <a:pPr algn="ctr"/>
+            <a:r>
+              <a:rPr lang="en-US" dirty="0"/>
+              <a:t>Data Analysis</a:t>
+            </a:r>
+          </a:p>
+        </p:txBody>
+      </p:sp>
+      <p:cxnSp>
+        <p:nvCxnSpPr>
+          <p:cNvPr id="12" name="Straight Arrow Connector 11">
+            <a:extLst>
+              <a:ext uri="{FF2B5EF4-FFF2-40B4-BE49-F238E27FC236}">
+                <a16:creationId xmlns:a16="http://schemas.microsoft.com/office/drawing/2014/main" id="{143FBABE-158E-4671-8A71-79CAF22F4AC4}"/>
+              </a:ext>
+            </a:extLst>
+          </p:cNvPr>
+          <p:cNvCxnSpPr>
+            <a:cxnSpLocks/>
+            <a:stCxn id="9" idx="2"/>
+            <a:endCxn id="11" idx="0"/>
+          </p:cNvCxnSpPr>
+          <p:nvPr/>
+        </p:nvCxnSpPr>
+        <p:spPr>
+          <a:xfrm>
+            <a:off x="10019123" y="2931734"/>
+            <a:ext cx="20320" cy="1420305"/>
+          </a:xfrm>
+          <a:prstGeom prst="straightConnector1">
+            <a:avLst/>
+          </a:prstGeom>
+          <a:ln w="38100">
+            <a:solidFill>
+              <a:schemeClr val="tx1"/>
+            </a:solidFill>
+            <a:tailEnd type="stealth" w="lg" len="lg"/>
+          </a:ln>
+        </p:spPr>
+        <p:style>
+          <a:lnRef idx="1">
+            <a:schemeClr val="accent1"/>
+          </a:lnRef>
+          <a:fillRef idx="0">
+            <a:schemeClr val="accent1"/>
+          </a:fillRef>
+          <a:effectRef idx="0">
+            <a:schemeClr val="accent1"/>
+          </a:effectRef>
+          <a:fontRef idx="minor">
+            <a:schemeClr val="tx1"/>
+          </a:fontRef>
+        </p:style>
+      </p:cxnSp>
+      <p:sp>
+        <p:nvSpPr>
+          <p:cNvPr id="19" name="Rectangle: Rounded Corners 18">
+            <a:extLst>
+              <a:ext uri="{FF2B5EF4-FFF2-40B4-BE49-F238E27FC236}">
+                <a16:creationId xmlns:a16="http://schemas.microsoft.com/office/drawing/2014/main" id="{C23DBB3B-BAA3-402B-8CE9-9E31EA9D41A4}"/>
+              </a:ext>
+            </a:extLst>
+          </p:cNvPr>
+          <p:cNvSpPr/>
+          <p:nvPr/>
+        </p:nvSpPr>
+        <p:spPr>
+          <a:xfrm>
+            <a:off x="4584569" y="4352038"/>
+            <a:ext cx="2705493" cy="1018095"/>
+          </a:xfrm>
+          <a:prstGeom prst="roundRect">
+            <a:avLst/>
+          </a:prstGeom>
+          <a:gradFill>
+            <a:gsLst>
+              <a:gs pos="0">
+                <a:schemeClr val="accent1">
+                  <a:lumMod val="5000"/>
+                  <a:lumOff val="95000"/>
+                </a:schemeClr>
+              </a:gs>
+              <a:gs pos="74000">
+                <a:schemeClr val="accent1">
+                  <a:lumMod val="45000"/>
+                  <a:lumOff val="55000"/>
+                </a:schemeClr>
+              </a:gs>
+              <a:gs pos="83000">
+                <a:schemeClr val="accent1">
+                  <a:lumMod val="45000"/>
+                  <a:lumOff val="55000"/>
+                </a:schemeClr>
+              </a:gs>
+              <a:gs pos="100000">
+                <a:schemeClr val="accent1">
+                  <a:lumMod val="30000"/>
+                  <a:lumOff val="70000"/>
+                </a:schemeClr>
+              </a:gs>
+            </a:gsLst>
+            <a:lin ang="5400000" scaled="1"/>
+          </a:gradFill>
+        </p:spPr>
+        <p:style>
+          <a:lnRef idx="2">
+            <a:schemeClr val="accent6"/>
+          </a:lnRef>
+          <a:fillRef idx="1">
+            <a:schemeClr val="lt1"/>
+          </a:fillRef>
+          <a:effectRef idx="0">
+            <a:schemeClr val="accent6"/>
+          </a:effectRef>
+          <a:fontRef idx="minor">
+            <a:schemeClr val="dk1"/>
+          </a:fontRef>
+        </p:style>
+        <p:txBody>
+          <a:bodyPr rtlCol="0" anchor="ctr"/>
+          <a:lstStyle/>
+          <a:p>
+            <a:pPr algn="ctr"/>
+            <a:r>
+              <a:rPr lang="en-US" dirty="0"/>
+              <a:t>Summarization</a:t>
+            </a:r>
+          </a:p>
+        </p:txBody>
+      </p:sp>
+      <p:cxnSp>
+        <p:nvCxnSpPr>
+          <p:cNvPr id="20" name="Straight Arrow Connector 19">
+            <a:extLst>
+              <a:ext uri="{FF2B5EF4-FFF2-40B4-BE49-F238E27FC236}">
+                <a16:creationId xmlns:a16="http://schemas.microsoft.com/office/drawing/2014/main" id="{AC746399-5716-441E-8670-AF49D8A7CAB2}"/>
+              </a:ext>
+            </a:extLst>
+          </p:cNvPr>
+          <p:cNvCxnSpPr>
+            <a:cxnSpLocks/>
+            <a:stCxn id="11" idx="1"/>
+          </p:cNvCxnSpPr>
+          <p:nvPr/>
+        </p:nvCxnSpPr>
+        <p:spPr>
+          <a:xfrm flipH="1">
+            <a:off x="7297918" y="4861087"/>
+            <a:ext cx="1388778" cy="0"/>
+          </a:xfrm>
+          <a:prstGeom prst="straightConnector1">
+            <a:avLst/>
+          </a:prstGeom>
+          <a:ln w="38100">
+            <a:solidFill>
+              <a:schemeClr val="tx1"/>
+            </a:solidFill>
+            <a:tailEnd type="stealth" w="lg" len="lg"/>
+          </a:ln>
+        </p:spPr>
+        <p:style>
+          <a:lnRef idx="1">
+            <a:schemeClr val="accent1"/>
+          </a:lnRef>
+          <a:fillRef idx="0">
+            <a:schemeClr val="accent1"/>
+          </a:fillRef>
+          <a:effectRef idx="0">
+            <a:schemeClr val="accent1"/>
+          </a:effectRef>
+          <a:fontRef idx="minor">
+            <a:schemeClr val="tx1"/>
+          </a:fontRef>
+        </p:style>
+      </p:cxnSp>
+      <p:sp>
+        <p:nvSpPr>
+          <p:cNvPr id="26" name="Rectangle: Rounded Corners 25">
+            <a:extLst>
+              <a:ext uri="{FF2B5EF4-FFF2-40B4-BE49-F238E27FC236}">
+                <a16:creationId xmlns:a16="http://schemas.microsoft.com/office/drawing/2014/main" id="{C81FBEF1-794B-4866-B8B9-8FEE240457E6}"/>
+              </a:ext>
+            </a:extLst>
+          </p:cNvPr>
+          <p:cNvSpPr/>
+          <p:nvPr/>
+        </p:nvSpPr>
+        <p:spPr>
+          <a:xfrm>
+            <a:off x="502761" y="4352038"/>
+            <a:ext cx="2705493" cy="1018095"/>
+          </a:xfrm>
+          <a:prstGeom prst="roundRect">
+            <a:avLst/>
+          </a:prstGeom>
+          <a:gradFill>
+            <a:gsLst>
+              <a:gs pos="0">
+                <a:schemeClr val="accent1">
+                  <a:lumMod val="5000"/>
+                  <a:lumOff val="95000"/>
+                </a:schemeClr>
+              </a:gs>
+              <a:gs pos="74000">
+                <a:schemeClr val="accent1">
+                  <a:lumMod val="45000"/>
+                  <a:lumOff val="55000"/>
+                </a:schemeClr>
+              </a:gs>
+              <a:gs pos="83000">
+                <a:schemeClr val="accent1">
+                  <a:lumMod val="45000"/>
+                  <a:lumOff val="55000"/>
+                </a:schemeClr>
+              </a:gs>
+              <a:gs pos="100000">
+                <a:schemeClr val="accent1">
+                  <a:lumMod val="30000"/>
+                  <a:lumOff val="70000"/>
+                </a:schemeClr>
+              </a:gs>
+            </a:gsLst>
+            <a:lin ang="5400000" scaled="1"/>
+          </a:gradFill>
+        </p:spPr>
+        <p:style>
+          <a:lnRef idx="2">
+            <a:schemeClr val="accent6"/>
+          </a:lnRef>
+          <a:fillRef idx="1">
+            <a:schemeClr val="lt1"/>
+          </a:fillRef>
+          <a:effectRef idx="0">
+            <a:schemeClr val="accent6"/>
+          </a:effectRef>
+          <a:fontRef idx="minor">
+            <a:schemeClr val="dk1"/>
+          </a:fontRef>
+        </p:style>
+        <p:txBody>
+          <a:bodyPr rtlCol="0" anchor="ctr"/>
+          <a:lstStyle/>
+          <a:p>
+            <a:pPr algn="ctr"/>
+            <a:r>
+              <a:rPr lang="en-US" dirty="0"/>
+              <a:t>Conclusions</a:t>
+            </a:r>
+          </a:p>
+        </p:txBody>
+      </p:sp>
+      <p:cxnSp>
+        <p:nvCxnSpPr>
+          <p:cNvPr id="27" name="Straight Arrow Connector 26">
+            <a:extLst>
+              <a:ext uri="{FF2B5EF4-FFF2-40B4-BE49-F238E27FC236}">
+                <a16:creationId xmlns:a16="http://schemas.microsoft.com/office/drawing/2014/main" id="{363DD716-BB57-4C4F-82E7-FF363AEADDAC}"/>
+              </a:ext>
+            </a:extLst>
+          </p:cNvPr>
+          <p:cNvCxnSpPr>
+            <a:cxnSpLocks/>
+          </p:cNvCxnSpPr>
+          <p:nvPr/>
+        </p:nvCxnSpPr>
+        <p:spPr>
+          <a:xfrm flipH="1">
+            <a:off x="3223967" y="4845372"/>
+            <a:ext cx="1388778" cy="0"/>
+          </a:xfrm>
+          <a:prstGeom prst="straightConnector1">
+            <a:avLst/>
+          </a:prstGeom>
+          <a:ln w="38100">
+            <a:solidFill>
+              <a:schemeClr val="tx1"/>
+            </a:solidFill>
+            <a:tailEnd type="stealth" w="lg" len="lg"/>
+          </a:ln>
+        </p:spPr>
+        <p:style>
+          <a:lnRef idx="1">
+            <a:schemeClr val="accent1"/>
+          </a:lnRef>
+          <a:fillRef idx="0">
+            <a:schemeClr val="accent1"/>
+          </a:fillRef>
+          <a:effectRef idx="0">
+            <a:schemeClr val="accent1"/>
+          </a:effectRef>
+          <a:fontRef idx="minor">
+            <a:schemeClr val="tx1"/>
+          </a:fontRef>
+        </p:style>
+      </p:cxnSp>
     </p:spTree>
     <p:extLst>
       <p:ext uri="{BB962C8B-B14F-4D97-AF65-F5344CB8AC3E}">
@@ -3846,7 +4713,99 @@
       </p:grpSpPr>
       <p:sp>
         <p:nvSpPr>
-          <p:cNvPr id="2" name="Title 1"/>
+          <p:cNvPr id="3" name="Content Placeholder 2"/>
+          <p:cNvSpPr>
+            <a:spLocks noGrp="1"/>
+          </p:cNvSpPr>
+          <p:nvPr>
+            <p:ph idx="1"/>
+          </p:nvPr>
+        </p:nvSpPr>
+        <p:spPr>
+          <a:xfrm>
+            <a:off x="404949" y="1854926"/>
+            <a:ext cx="11168742" cy="4698274"/>
+          </a:xfrm>
+        </p:spPr>
+        <p:txBody>
+          <a:bodyPr>
+            <a:normAutofit fontScale="92500" lnSpcReduction="10000"/>
+          </a:bodyPr>
+          <a:lstStyle/>
+          <a:p>
+            <a:pPr marL="0" indent="0">
+              <a:buNone/>
+            </a:pPr>
+            <a:r>
+              <a:rPr lang="en-IN" sz="2400" b="1" dirty="0"/>
+              <a:t>Business Objective</a:t>
+            </a:r>
+          </a:p>
+          <a:p>
+            <a:r>
+              <a:rPr lang="en-IN" sz="2400" dirty="0"/>
+              <a:t>Provide insights to the CEO of Spark Funds on the current global trends in investments across sectors</a:t>
+            </a:r>
+          </a:p>
+          <a:p>
+            <a:endParaRPr lang="en-IN" sz="2400" dirty="0"/>
+          </a:p>
+          <a:p>
+            <a:r>
+              <a:rPr lang="en-IN" sz="2400" dirty="0"/>
+              <a:t>Provide recommendations to the CEO on the sectors, countries and companies that are best suited for making investments</a:t>
+            </a:r>
+          </a:p>
+          <a:p>
+            <a:pPr marL="0" indent="0">
+              <a:buNone/>
+            </a:pPr>
+            <a:endParaRPr lang="en-IN" sz="2400" dirty="0"/>
+          </a:p>
+          <a:p>
+            <a:r>
+              <a:rPr lang="en-IN" sz="2400" dirty="0"/>
+              <a:t>Recommendations should be aligned with the following constraints</a:t>
+            </a:r>
+          </a:p>
+          <a:p>
+            <a:pPr lvl="1"/>
+            <a:r>
+              <a:rPr lang="en-IN" sz="2000" dirty="0"/>
+              <a:t>Investments should be in the range of $5 to $15 million per round</a:t>
+            </a:r>
+          </a:p>
+          <a:p>
+            <a:pPr lvl="1"/>
+            <a:r>
+              <a:rPr lang="en-IN" sz="2000" dirty="0"/>
+              <a:t>Investments should be only in English-speaking countries</a:t>
+            </a:r>
+          </a:p>
+          <a:p>
+            <a:pPr lvl="1"/>
+            <a:endParaRPr lang="en-IN" sz="2000" dirty="0"/>
+          </a:p>
+          <a:p>
+            <a:r>
+              <a:rPr lang="en-IN" sz="2400" dirty="0"/>
+              <a:t>Recommendations should be aligned with Spark Funds strategy of investing where others are also investing</a:t>
+            </a:r>
+          </a:p>
+          <a:p>
+            <a:endParaRPr lang="en-IN" sz="2000" dirty="0"/>
+          </a:p>
+        </p:txBody>
+      </p:sp>
+      <p:sp>
+        <p:nvSpPr>
+          <p:cNvPr id="6" name="Title 1">
+            <a:extLst>
+              <a:ext uri="{FF2B5EF4-FFF2-40B4-BE49-F238E27FC236}">
+                <a16:creationId xmlns:a16="http://schemas.microsoft.com/office/drawing/2014/main" id="{C9ED24FB-F1DF-43A2-A28A-E1B9714DF31A}"/>
+              </a:ext>
+            </a:extLst>
+          </p:cNvPr>
           <p:cNvSpPr>
             <a:spLocks noGrp="1"/>
           </p:cNvSpPr>
@@ -3854,43 +4813,22 @@
             <p:ph type="title"/>
           </p:nvPr>
         </p:nvSpPr>
-        <p:spPr/>
-        <p:txBody>
-          <a:bodyPr/>
-          <a:lstStyle/>
-          <a:p>
-            <a:r>
-              <a:rPr lang="en-IN" b="1" dirty="0"/>
-              <a:t> </a:t>
-            </a:r>
-            <a:r>
-              <a:rPr lang="en-IN" sz="2800" dirty="0"/>
-              <a:t>&lt;Analysis&gt;</a:t>
-            </a:r>
-          </a:p>
-        </p:txBody>
-      </p:sp>
-      <p:sp>
-        <p:nvSpPr>
-          <p:cNvPr id="3" name="Content Placeholder 2"/>
-          <p:cNvSpPr>
-            <a:spLocks noGrp="1"/>
-          </p:cNvSpPr>
-          <p:nvPr>
-            <p:ph idx="1"/>
-          </p:nvPr>
-        </p:nvSpPr>
-        <p:spPr/>
+        <p:spPr>
+          <a:xfrm>
+            <a:off x="404949" y="800336"/>
+            <a:ext cx="11168742" cy="856138"/>
+          </a:xfrm>
+        </p:spPr>
         <p:txBody>
           <a:bodyPr>
             <a:normAutofit/>
           </a:bodyPr>
           <a:lstStyle/>
           <a:p>
-            <a:pPr marL="0" indent="0">
-              <a:buNone/>
-            </a:pPr>
-            <a:endParaRPr lang="en-IN" sz="1400" dirty="0"/>
+            <a:r>
+              <a:rPr lang="en-IN" sz="3600" b="1" dirty="0"/>
+              <a:t>Business Understanding	</a:t>
+            </a:r>
           </a:p>
         </p:txBody>
       </p:sp>
@@ -3926,7 +4864,169 @@
       </p:grpSpPr>
       <p:sp>
         <p:nvSpPr>
-          <p:cNvPr id="2" name="Title 1"/>
+          <p:cNvPr id="3" name="Content Placeholder 2"/>
+          <p:cNvSpPr>
+            <a:spLocks noGrp="1"/>
+          </p:cNvSpPr>
+          <p:nvPr>
+            <p:ph idx="1"/>
+          </p:nvPr>
+        </p:nvSpPr>
+        <p:spPr>
+          <a:xfrm>
+            <a:off x="404949" y="1377126"/>
+            <a:ext cx="11168742" cy="5303126"/>
+          </a:xfrm>
+        </p:spPr>
+        <p:txBody>
+          <a:bodyPr>
+            <a:normAutofit lnSpcReduction="10000"/>
+          </a:bodyPr>
+          <a:lstStyle/>
+          <a:p>
+            <a:pPr marL="0" indent="0">
+              <a:buNone/>
+            </a:pPr>
+            <a:r>
+              <a:rPr lang="en-IN" sz="1600" b="1" dirty="0"/>
+              <a:t>Data Sources</a:t>
+            </a:r>
+          </a:p>
+          <a:p>
+            <a:r>
+              <a:rPr lang="en-IN" sz="1600" b="1" dirty="0"/>
+              <a:t>companies</a:t>
+            </a:r>
+            <a:r>
+              <a:rPr lang="en-IN" sz="1600" dirty="0"/>
+              <a:t> - Companies data extracted from crunchbase.com</a:t>
+            </a:r>
+          </a:p>
+          <a:p>
+            <a:r>
+              <a:rPr lang="en-IN" sz="1600" b="1" dirty="0"/>
+              <a:t>rounds2</a:t>
+            </a:r>
+            <a:r>
+              <a:rPr lang="en-IN" sz="1600" dirty="0"/>
+              <a:t> - Details of funding rounds for companies for crunchbase.com</a:t>
+            </a:r>
+          </a:p>
+          <a:p>
+            <a:r>
+              <a:rPr lang="en-IN" sz="1600" b="1" dirty="0"/>
+              <a:t>mapping</a:t>
+            </a:r>
+            <a:r>
+              <a:rPr lang="en-IN" sz="1600" dirty="0"/>
+              <a:t> - Sector classification that maps the various investment categories into 8 broad sectors</a:t>
+            </a:r>
+          </a:p>
+          <a:p>
+            <a:pPr marL="0" indent="0">
+              <a:buNone/>
+            </a:pPr>
+            <a:endParaRPr lang="en-IN" sz="1600" dirty="0"/>
+          </a:p>
+          <a:p>
+            <a:pPr marL="0" indent="0">
+              <a:buNone/>
+            </a:pPr>
+            <a:r>
+              <a:rPr lang="en-IN" sz="1600" b="1" dirty="0"/>
+              <a:t>High level view of data</a:t>
+            </a:r>
+          </a:p>
+          <a:p>
+            <a:r>
+              <a:rPr lang="en-IN" sz="1600" dirty="0"/>
+              <a:t>No. of unique companies in rounds2: 66368</a:t>
+            </a:r>
+          </a:p>
+          <a:p>
+            <a:r>
+              <a:rPr lang="en-IN" sz="1600" dirty="0"/>
+              <a:t>No. of unique companies in companies: 66368</a:t>
+            </a:r>
+          </a:p>
+          <a:p>
+            <a:r>
+              <a:rPr lang="en-IN" sz="1600" dirty="0"/>
+              <a:t>Unique key for each company in companies data : permalink</a:t>
+            </a:r>
+          </a:p>
+          <a:p>
+            <a:r>
+              <a:rPr lang="en-IN" sz="1600" dirty="0"/>
+              <a:t>rounds2 and companies do not contain any unmatched companies</a:t>
+            </a:r>
+          </a:p>
+          <a:p>
+            <a:r>
+              <a:rPr lang="en-IN" sz="1600" dirty="0"/>
+              <a:t>Merged data (round2 + companies) contains 114949 observations</a:t>
+            </a:r>
+          </a:p>
+          <a:p>
+            <a:pPr marL="0" indent="0">
+              <a:buNone/>
+            </a:pPr>
+            <a:endParaRPr lang="en-IN" sz="1600" dirty="0"/>
+          </a:p>
+          <a:p>
+            <a:pPr marL="0" indent="0">
+              <a:buNone/>
+            </a:pPr>
+            <a:r>
+              <a:rPr lang="en-IN" sz="1600" b="1" dirty="0"/>
+              <a:t>Data Quality</a:t>
+            </a:r>
+          </a:p>
+          <a:p>
+            <a:r>
+              <a:rPr lang="en-IN" sz="1600" dirty="0"/>
+              <a:t>Encoding issues exist in permalink column of companies data source and </a:t>
+            </a:r>
+            <a:r>
+              <a:rPr lang="en-IN" sz="1600" dirty="0" err="1"/>
+              <a:t>company_permalink</a:t>
+            </a:r>
+            <a:r>
+              <a:rPr lang="en-IN" sz="1600" dirty="0"/>
+              <a:t> column of rounds2 data source</a:t>
+            </a:r>
+          </a:p>
+          <a:p>
+            <a:r>
+              <a:rPr lang="en-IN" sz="1600" dirty="0"/>
+              <a:t>Few categories in mapping data source had 0 instead of the string ‘</a:t>
+            </a:r>
+            <a:r>
+              <a:rPr lang="en-IN" sz="1600" dirty="0" err="1"/>
+              <a:t>na</a:t>
+            </a:r>
+            <a:r>
+              <a:rPr lang="en-IN" sz="1600" dirty="0"/>
+              <a:t>’</a:t>
+            </a:r>
+          </a:p>
+          <a:p>
+            <a:r>
+              <a:rPr lang="en-IN" sz="1600" dirty="0"/>
+              <a:t>Some categories in the companies data source were not there in the mapping data source</a:t>
+            </a:r>
+          </a:p>
+        </p:txBody>
+      </p:sp>
+      <p:sp>
+        <p:nvSpPr>
+          <p:cNvPr id="6" name="Title 1">
+            <a:extLst>
+              <a:ext uri="{FF2B5EF4-FFF2-40B4-BE49-F238E27FC236}">
+                <a16:creationId xmlns:a16="http://schemas.microsoft.com/office/drawing/2014/main" id="{C9ED24FB-F1DF-43A2-A28A-E1B9714DF31A}"/>
+              </a:ext>
+            </a:extLst>
+          </p:cNvPr>
           <p:cNvSpPr>
             <a:spLocks noGrp="1"/>
           </p:cNvSpPr>
@@ -3934,50 +5034,37 @@
             <p:ph type="title"/>
           </p:nvPr>
         </p:nvSpPr>
-        <p:spPr/>
-        <p:txBody>
-          <a:bodyPr/>
-          <a:lstStyle/>
-          <a:p>
-            <a:r>
-              <a:rPr lang="en-IN" b="1" dirty="0"/>
-              <a:t> </a:t>
-            </a:r>
-            <a:r>
-              <a:rPr lang="en-IN" sz="2800" dirty="0"/>
-              <a:t>&lt;Analysis&gt;</a:t>
-            </a:r>
-          </a:p>
-        </p:txBody>
-      </p:sp>
-      <p:sp>
-        <p:nvSpPr>
-          <p:cNvPr id="3" name="Content Placeholder 2"/>
-          <p:cNvSpPr>
-            <a:spLocks noGrp="1"/>
-          </p:cNvSpPr>
-          <p:nvPr>
-            <p:ph idx="1"/>
-          </p:nvPr>
-        </p:nvSpPr>
-        <p:spPr/>
+        <p:spPr>
+          <a:xfrm>
+            <a:off x="404949" y="708162"/>
+            <a:ext cx="11168742" cy="668964"/>
+          </a:xfrm>
+        </p:spPr>
         <p:txBody>
           <a:bodyPr>
             <a:normAutofit/>
           </a:bodyPr>
           <a:lstStyle/>
           <a:p>
-            <a:pPr marL="0" indent="0">
-              <a:buNone/>
-            </a:pPr>
-            <a:endParaRPr lang="en-IN" sz="1400" dirty="0"/>
+            <a:r>
+              <a:rPr lang="en-IN" sz="3200" b="1" dirty="0"/>
+              <a:t>Data </a:t>
+            </a:r>
+            <a:r>
+              <a:rPr lang="en-IN" sz="2800" b="1" dirty="0"/>
+              <a:t>Understanding</a:t>
+            </a:r>
+            <a:r>
+              <a:rPr lang="en-IN" sz="3200" b="1" dirty="0"/>
+              <a:t>	</a:t>
+            </a:r>
           </a:p>
         </p:txBody>
       </p:sp>
     </p:spTree>
     <p:extLst>
       <p:ext uri="{BB962C8B-B14F-4D97-AF65-F5344CB8AC3E}">
-        <p14:creationId xmlns:p14="http://schemas.microsoft.com/office/powerpoint/2010/main" val="1302983225"/>
+        <p14:creationId xmlns:p14="http://schemas.microsoft.com/office/powerpoint/2010/main" val="2442211255"/>
       </p:ext>
     </p:extLst>
   </p:cSld>
@@ -4006,32 +5093,6 @@
       </p:grpSpPr>
       <p:sp>
         <p:nvSpPr>
-          <p:cNvPr id="2" name="Title 1"/>
-          <p:cNvSpPr>
-            <a:spLocks noGrp="1"/>
-          </p:cNvSpPr>
-          <p:nvPr>
-            <p:ph type="title"/>
-          </p:nvPr>
-        </p:nvSpPr>
-        <p:spPr/>
-        <p:txBody>
-          <a:bodyPr/>
-          <a:lstStyle/>
-          <a:p>
-            <a:r>
-              <a:rPr lang="en-IN" b="1" dirty="0"/>
-              <a:t> </a:t>
-            </a:r>
-            <a:r>
-              <a:rPr lang="en-IN" sz="2800" dirty="0"/>
-              <a:t>&lt;Analysis&gt;</a:t>
-            </a:r>
-          </a:p>
-        </p:txBody>
-      </p:sp>
-      <p:sp>
-        <p:nvSpPr>
           <p:cNvPr id="3" name="Content Placeholder 2"/>
           <p:cNvSpPr>
             <a:spLocks noGrp="1"/>
@@ -4050,14 +5111,101 @@
             <a:pPr marL="0" indent="0">
               <a:buNone/>
             </a:pPr>
-            <a:endParaRPr lang="en-IN" sz="1400" dirty="0"/>
+            <a:r>
+              <a:rPr lang="en-IN" sz="1600" b="1" dirty="0"/>
+              <a:t>Missing value treatment</a:t>
+            </a:r>
+          </a:p>
+          <a:p>
+            <a:pPr lvl="1"/>
+            <a:r>
+              <a:rPr lang="en-IN" sz="1600" dirty="0" err="1"/>
+              <a:t>raised_amount_usd</a:t>
+            </a:r>
+            <a:r>
+              <a:rPr lang="en-IN" sz="1600" dirty="0"/>
+              <a:t> column in the rounds2 data, which is required in the analysis, had a lot of null values</a:t>
+            </a:r>
+          </a:p>
+          <a:p>
+            <a:pPr lvl="1"/>
+            <a:r>
+              <a:rPr lang="en-IN" sz="1600" dirty="0"/>
+              <a:t>Two possible approaches</a:t>
+            </a:r>
+          </a:p>
+          <a:p>
+            <a:pPr lvl="2"/>
+            <a:r>
+              <a:rPr lang="en-IN" sz="1600" dirty="0"/>
+              <a:t>Approach 1 – Remove the rows with null values for </a:t>
+            </a:r>
+            <a:r>
+              <a:rPr lang="en-IN" sz="1600" dirty="0" err="1"/>
+              <a:t>raised_amount_usd</a:t>
+            </a:r>
+            <a:endParaRPr lang="en-IN" sz="1600" dirty="0"/>
+          </a:p>
+          <a:p>
+            <a:pPr lvl="2"/>
+            <a:r>
+              <a:rPr lang="en-IN" sz="1600" dirty="0"/>
+              <a:t>Approach 2 -  Update all the null values for </a:t>
+            </a:r>
+            <a:r>
+              <a:rPr lang="en-IN" sz="1600" dirty="0" err="1"/>
+              <a:t>raised_amount_usd</a:t>
+            </a:r>
+            <a:r>
+              <a:rPr lang="en-IN" sz="1600" dirty="0"/>
+              <a:t> column with the 75% percentile value	</a:t>
+            </a:r>
+            <a:r>
+              <a:rPr lang="en-IN" sz="1200" b="1" dirty="0"/>
+              <a:t>	</a:t>
+            </a:r>
+          </a:p>
+        </p:txBody>
+      </p:sp>
+      <p:sp>
+        <p:nvSpPr>
+          <p:cNvPr id="6" name="Title 1">
+            <a:extLst>
+              <a:ext uri="{FF2B5EF4-FFF2-40B4-BE49-F238E27FC236}">
+                <a16:creationId xmlns:a16="http://schemas.microsoft.com/office/drawing/2014/main" id="{C9ED24FB-F1DF-43A2-A28A-E1B9714DF31A}"/>
+              </a:ext>
+            </a:extLst>
+          </p:cNvPr>
+          <p:cNvSpPr>
+            <a:spLocks noGrp="1"/>
+          </p:cNvSpPr>
+          <p:nvPr>
+            <p:ph type="title"/>
+          </p:nvPr>
+        </p:nvSpPr>
+        <p:spPr>
+          <a:xfrm>
+            <a:off x="404949" y="800336"/>
+            <a:ext cx="11168742" cy="856138"/>
+          </a:xfrm>
+        </p:spPr>
+        <p:txBody>
+          <a:bodyPr>
+            <a:normAutofit/>
+          </a:bodyPr>
+          <a:lstStyle/>
+          <a:p>
+            <a:r>
+              <a:rPr lang="en-IN" sz="3600" b="1" dirty="0"/>
+              <a:t>Data Preparation	</a:t>
+            </a:r>
           </a:p>
         </p:txBody>
       </p:sp>
     </p:spTree>
     <p:extLst>
       <p:ext uri="{BB962C8B-B14F-4D97-AF65-F5344CB8AC3E}">
-        <p14:creationId xmlns:p14="http://schemas.microsoft.com/office/powerpoint/2010/main" val="567511567"/>
+        <p14:creationId xmlns:p14="http://schemas.microsoft.com/office/powerpoint/2010/main" val="623357653"/>
       </p:ext>
     </p:extLst>
   </p:cSld>
@@ -4101,19 +5249,22 @@
           </a:bodyPr>
           <a:lstStyle/>
           <a:p>
-            <a:pPr marL="0" indent="0">
-              <a:buNone/>
-            </a:pPr>
-            <a:r>
-              <a:rPr lang="en-IN" sz="1800" dirty="0"/>
-              <a:t>Plot 1</a:t>
-            </a:r>
-          </a:p>
-        </p:txBody>
-      </p:sp>
-      <p:sp>
-        <p:nvSpPr>
-          <p:cNvPr id="6" name="Title 1"/>
+            <a:r>
+              <a:rPr lang="en-IN" sz="1600" dirty="0"/>
+              <a:t>Tables from the excel sheet ? </a:t>
+            </a:r>
+          </a:p>
+        </p:txBody>
+      </p:sp>
+      <p:sp>
+        <p:nvSpPr>
+          <p:cNvPr id="6" name="Title 1">
+            <a:extLst>
+              <a:ext uri="{FF2B5EF4-FFF2-40B4-BE49-F238E27FC236}">
+                <a16:creationId xmlns:a16="http://schemas.microsoft.com/office/drawing/2014/main" id="{C9ED24FB-F1DF-43A2-A28A-E1B9714DF31A}"/>
+              </a:ext>
+            </a:extLst>
+          </p:cNvPr>
           <p:cNvSpPr>
             <a:spLocks noGrp="1"/>
           </p:cNvSpPr>
@@ -4123,21 +5274,19 @@
         </p:nvSpPr>
         <p:spPr>
           <a:xfrm>
-            <a:off x="1136469" y="640080"/>
-            <a:ext cx="9313817" cy="856138"/>
+            <a:off x="404949" y="800336"/>
+            <a:ext cx="11168742" cy="856138"/>
           </a:xfrm>
         </p:spPr>
         <p:txBody>
-          <a:bodyPr/>
-          <a:lstStyle/>
-          <a:p>
-            <a:r>
-              <a:rPr lang="en-IN" b="1" dirty="0"/>
-              <a:t> </a:t>
-            </a:r>
-            <a:r>
-              <a:rPr lang="en-IN" sz="2800" dirty="0"/>
-              <a:t>&lt;Results&gt;</a:t>
+          <a:bodyPr>
+            <a:normAutofit/>
+          </a:bodyPr>
+          <a:lstStyle/>
+          <a:p>
+            <a:r>
+              <a:rPr lang="en-IN" sz="3600" b="1" dirty="0"/>
+              <a:t>Data Analysis	</a:t>
             </a:r>
           </a:p>
         </p:txBody>
@@ -4145,7 +5294,7 @@
     </p:spTree>
     <p:extLst>
       <p:ext uri="{BB962C8B-B14F-4D97-AF65-F5344CB8AC3E}">
-        <p14:creationId xmlns:p14="http://schemas.microsoft.com/office/powerpoint/2010/main" val="1739856806"/>
+        <p14:creationId xmlns:p14="http://schemas.microsoft.com/office/powerpoint/2010/main" val="708560008"/>
       </p:ext>
     </p:extLst>
   </p:cSld>
@@ -4174,33 +5323,6 @@
       </p:grpSpPr>
       <p:sp>
         <p:nvSpPr>
-          <p:cNvPr id="3" name="Content Placeholder 2"/>
-          <p:cNvSpPr>
-            <a:spLocks noGrp="1"/>
-          </p:cNvSpPr>
-          <p:nvPr>
-            <p:ph idx="1"/>
-          </p:nvPr>
-        </p:nvSpPr>
-        <p:spPr/>
-        <p:txBody>
-          <a:bodyPr>
-            <a:normAutofit/>
-          </a:bodyPr>
-          <a:lstStyle/>
-          <a:p>
-            <a:pPr marL="0" indent="0">
-              <a:buNone/>
-            </a:pPr>
-            <a:r>
-              <a:rPr lang="en-IN" sz="1800" dirty="0"/>
-              <a:t>Plot 2</a:t>
-            </a:r>
-          </a:p>
-        </p:txBody>
-      </p:sp>
-      <p:sp>
-        <p:nvSpPr>
           <p:cNvPr id="6" name="Title 1"/>
           <p:cNvSpPr>
             <a:spLocks noGrp="1"/>
@@ -4224,16 +5346,17 @@
               <a:t> </a:t>
             </a:r>
             <a:r>
-              <a:rPr lang="en-IN" sz="2800" dirty="0"/>
-              <a:t>&lt;Results&gt;</a:t>
-            </a:r>
+              <a:rPr lang="en-IN" sz="2800" b="1" dirty="0"/>
+              <a:t>Plot 1 – Investments across funding types</a:t>
+            </a:r>
+            <a:endParaRPr lang="en-IN" sz="2800" dirty="0"/>
           </a:p>
         </p:txBody>
       </p:sp>
     </p:spTree>
     <p:extLst>
       <p:ext uri="{BB962C8B-B14F-4D97-AF65-F5344CB8AC3E}">
-        <p14:creationId xmlns:p14="http://schemas.microsoft.com/office/powerpoint/2010/main" val="3733554285"/>
+        <p14:creationId xmlns:p14="http://schemas.microsoft.com/office/powerpoint/2010/main" val="1739856806"/>
       </p:ext>
     </p:extLst>
   </p:cSld>
@@ -4262,33 +5385,6 @@
       </p:grpSpPr>
       <p:sp>
         <p:nvSpPr>
-          <p:cNvPr id="3" name="Content Placeholder 2"/>
-          <p:cNvSpPr>
-            <a:spLocks noGrp="1"/>
-          </p:cNvSpPr>
-          <p:nvPr>
-            <p:ph idx="1"/>
-          </p:nvPr>
-        </p:nvSpPr>
-        <p:spPr/>
-        <p:txBody>
-          <a:bodyPr>
-            <a:normAutofit/>
-          </a:bodyPr>
-          <a:lstStyle/>
-          <a:p>
-            <a:pPr marL="0" indent="0">
-              <a:buNone/>
-            </a:pPr>
-            <a:r>
-              <a:rPr lang="en-IN" sz="1800" dirty="0"/>
-              <a:t>Plot 3</a:t>
-            </a:r>
-          </a:p>
-        </p:txBody>
-      </p:sp>
-      <p:sp>
-        <p:nvSpPr>
           <p:cNvPr id="6" name="Title 1"/>
           <p:cNvSpPr>
             <a:spLocks noGrp="1"/>
@@ -4312,16 +5408,17 @@
               <a:t> </a:t>
             </a:r>
             <a:r>
-              <a:rPr lang="en-IN" sz="2800" dirty="0"/>
-              <a:t>&lt;Results&gt;</a:t>
-            </a:r>
+              <a:rPr lang="en-IN" sz="2800" b="1" dirty="0"/>
+              <a:t>Plot 2 – Venture funding investments across countries</a:t>
+            </a:r>
+            <a:endParaRPr lang="en-IN" sz="2800" dirty="0"/>
           </a:p>
         </p:txBody>
       </p:sp>
     </p:spTree>
     <p:extLst>
       <p:ext uri="{BB962C8B-B14F-4D97-AF65-F5344CB8AC3E}">
-        <p14:creationId xmlns:p14="http://schemas.microsoft.com/office/powerpoint/2010/main" val="1057818561"/>
+        <p14:creationId xmlns:p14="http://schemas.microsoft.com/office/powerpoint/2010/main" val="4159264894"/>
       </p:ext>
     </p:extLst>
   </p:cSld>

--- a/Spark Funds Presentation.pptx
+++ b/Spark Funds Presentation.pptx
@@ -15,11 +15,11 @@
     <p:sldId id="270" r:id="rId6"/>
     <p:sldId id="271" r:id="rId7"/>
     <p:sldId id="272" r:id="rId8"/>
-    <p:sldId id="262" r:id="rId9"/>
-    <p:sldId id="268" r:id="rId10"/>
-    <p:sldId id="269" r:id="rId11"/>
-    <p:sldId id="273" r:id="rId12"/>
-    <p:sldId id="265" r:id="rId13"/>
+    <p:sldId id="274" r:id="rId9"/>
+    <p:sldId id="262" r:id="rId10"/>
+    <p:sldId id="268" r:id="rId11"/>
+    <p:sldId id="269" r:id="rId12"/>
+    <p:sldId id="273" r:id="rId13"/>
   </p:sldIdLst>
   <p:sldSz cx="12192000" cy="6858000"/>
   <p:notesSz cx="6858000" cy="9144000"/>
@@ -211,7 +211,7 @@
           <a:p>
             <a:fld id="{2E309023-AF2B-4043-B228-F191CADC9BB1}" type="datetimeFigureOut">
               <a:rPr lang="en-IN" smtClean="0"/>
-              <a:t>01-02-2019</a:t>
+              <a:t>03-02-2019</a:t>
             </a:fld>
             <a:endParaRPr lang="en-IN"/>
           </a:p>
@@ -610,7 +610,7 @@
           <a:p>
             <a:fld id="{70C018FE-C8D6-4A9C-A702-41F1E0C1C452}" type="datetimeFigureOut">
               <a:rPr lang="en-IN" smtClean="0"/>
-              <a:t>01-02-2019</a:t>
+              <a:t>03-02-2019</a:t>
             </a:fld>
             <a:endParaRPr lang="en-IN"/>
           </a:p>
@@ -780,7 +780,7 @@
           <a:p>
             <a:fld id="{70C018FE-C8D6-4A9C-A702-41F1E0C1C452}" type="datetimeFigureOut">
               <a:rPr lang="en-IN" smtClean="0"/>
-              <a:t>01-02-2019</a:t>
+              <a:t>03-02-2019</a:t>
             </a:fld>
             <a:endParaRPr lang="en-IN"/>
           </a:p>
@@ -960,7 +960,7 @@
           <a:p>
             <a:fld id="{70C018FE-C8D6-4A9C-A702-41F1E0C1C452}" type="datetimeFigureOut">
               <a:rPr lang="en-IN" smtClean="0"/>
-              <a:t>01-02-2019</a:t>
+              <a:t>03-02-2019</a:t>
             </a:fld>
             <a:endParaRPr lang="en-IN"/>
           </a:p>
@@ -1392,7 +1392,7 @@
           <a:p>
             <a:fld id="{70C018FE-C8D6-4A9C-A702-41F1E0C1C452}" type="datetimeFigureOut">
               <a:rPr lang="en-IN" smtClean="0"/>
-              <a:t>01-02-2019</a:t>
+              <a:t>03-02-2019</a:t>
             </a:fld>
             <a:endParaRPr lang="en-IN"/>
           </a:p>
@@ -1624,7 +1624,7 @@
           <a:p>
             <a:fld id="{70C018FE-C8D6-4A9C-A702-41F1E0C1C452}" type="datetimeFigureOut">
               <a:rPr lang="en-IN" smtClean="0"/>
-              <a:t>01-02-2019</a:t>
+              <a:t>03-02-2019</a:t>
             </a:fld>
             <a:endParaRPr lang="en-IN"/>
           </a:p>
@@ -1991,7 +1991,7 @@
           <a:p>
             <a:fld id="{70C018FE-C8D6-4A9C-A702-41F1E0C1C452}" type="datetimeFigureOut">
               <a:rPr lang="en-IN" smtClean="0"/>
-              <a:t>01-02-2019</a:t>
+              <a:t>03-02-2019</a:t>
             </a:fld>
             <a:endParaRPr lang="en-IN"/>
           </a:p>
@@ -2109,7 +2109,7 @@
           <a:p>
             <a:fld id="{70C018FE-C8D6-4A9C-A702-41F1E0C1C452}" type="datetimeFigureOut">
               <a:rPr lang="en-IN" smtClean="0"/>
-              <a:t>01-02-2019</a:t>
+              <a:t>03-02-2019</a:t>
             </a:fld>
             <a:endParaRPr lang="en-IN"/>
           </a:p>
@@ -2204,7 +2204,7 @@
           <a:p>
             <a:fld id="{70C018FE-C8D6-4A9C-A702-41F1E0C1C452}" type="datetimeFigureOut">
               <a:rPr lang="en-IN" smtClean="0"/>
-              <a:t>01-02-2019</a:t>
+              <a:t>03-02-2019</a:t>
             </a:fld>
             <a:endParaRPr lang="en-IN"/>
           </a:p>
@@ -2480,7 +2480,7 @@
           <a:p>
             <a:fld id="{70C018FE-C8D6-4A9C-A702-41F1E0C1C452}" type="datetimeFigureOut">
               <a:rPr lang="en-IN" smtClean="0"/>
-              <a:t>01-02-2019</a:t>
+              <a:t>03-02-2019</a:t>
             </a:fld>
             <a:endParaRPr lang="en-IN"/>
           </a:p>
@@ -2737,7 +2737,7 @@
           <a:p>
             <a:fld id="{70C018FE-C8D6-4A9C-A702-41F1E0C1C452}" type="datetimeFigureOut">
               <a:rPr lang="en-IN" smtClean="0"/>
-              <a:t>01-02-2019</a:t>
+              <a:t>03-02-2019</a:t>
             </a:fld>
             <a:endParaRPr lang="en-IN"/>
           </a:p>
@@ -2948,7 +2948,7 @@
           <a:p>
             <a:fld id="{70C018FE-C8D6-4A9C-A702-41F1E0C1C452}" type="datetimeFigureOut">
               <a:rPr lang="en-IN" smtClean="0"/>
-              <a:t>01-02-2019</a:t>
+              <a:t>03-02-2019</a:t>
             </a:fld>
             <a:endParaRPr lang="en-IN" dirty="0"/>
           </a:p>
@@ -3604,42 +3604,46 @@
           <a:chExt cx="0" cy="0"/>
         </a:xfrm>
       </p:grpSpPr>
-      <p:sp>
-        <p:nvSpPr>
-          <p:cNvPr id="6" name="Title 1"/>
-          <p:cNvSpPr>
-            <a:spLocks noGrp="1"/>
-          </p:cNvSpPr>
-          <p:nvPr>
-            <p:ph type="title"/>
-          </p:nvPr>
-        </p:nvSpPr>
+      <p:pic>
+        <p:nvPicPr>
+          <p:cNvPr id="10" name="Picture 9">
+            <a:extLst>
+              <a:ext uri="{FF2B5EF4-FFF2-40B4-BE49-F238E27FC236}">
+                <a16:creationId xmlns:a16="http://schemas.microsoft.com/office/drawing/2014/main" id="{5CD21B76-6988-4063-B167-A47A82619DB6}"/>
+              </a:ext>
+            </a:extLst>
+          </p:cNvPr>
+          <p:cNvPicPr>
+            <a:picLocks noChangeAspect="1"/>
+          </p:cNvPicPr>
+          <p:nvPr/>
+        </p:nvPicPr>
+        <p:blipFill>
+          <a:blip r:embed="rId2">
+            <a:extLst>
+              <a:ext uri="{28A0092B-C50C-407E-A947-70E740481C1C}">
+                <a14:useLocalDpi xmlns:a14="http://schemas.microsoft.com/office/drawing/2010/main" val="0"/>
+              </a:ext>
+            </a:extLst>
+          </a:blip>
+          <a:stretch>
+            <a:fillRect/>
+          </a:stretch>
+        </p:blipFill>
         <p:spPr>
           <a:xfrm>
-            <a:off x="1136469" y="640080"/>
-            <a:ext cx="9313817" cy="856138"/>
+            <a:off x="791852" y="838986"/>
+            <a:ext cx="9973557" cy="5983007"/>
           </a:xfrm>
+          <a:prstGeom prst="rect">
+            <a:avLst/>
+          </a:prstGeom>
         </p:spPr>
-        <p:txBody>
-          <a:bodyPr/>
-          <a:lstStyle/>
-          <a:p>
-            <a:r>
-              <a:rPr lang="en-IN" b="1" dirty="0"/>
-              <a:t> </a:t>
-            </a:r>
-            <a:r>
-              <a:rPr lang="en-IN" sz="2800" b="1" dirty="0"/>
-              <a:t>Plot 3 – # of investments across countries and sectors</a:t>
-            </a:r>
-            <a:endParaRPr lang="en-IN" sz="2800" dirty="0"/>
-          </a:p>
-        </p:txBody>
-      </p:sp>
+      </p:pic>
     </p:spTree>
     <p:extLst>
       <p:ext uri="{BB962C8B-B14F-4D97-AF65-F5344CB8AC3E}">
-        <p14:creationId xmlns:p14="http://schemas.microsoft.com/office/powerpoint/2010/main" val="1835958945"/>
+        <p14:creationId xmlns:p14="http://schemas.microsoft.com/office/powerpoint/2010/main" val="4159264894"/>
       </p:ext>
     </p:extLst>
   </p:cSld>
@@ -3666,72 +3670,46 @@
           <a:chExt cx="0" cy="0"/>
         </a:xfrm>
       </p:grpSpPr>
-      <p:sp>
-        <p:nvSpPr>
-          <p:cNvPr id="3" name="Content Placeholder 2"/>
-          <p:cNvSpPr>
-            <a:spLocks noGrp="1"/>
-          </p:cNvSpPr>
-          <p:nvPr>
-            <p:ph idx="1"/>
-          </p:nvPr>
-        </p:nvSpPr>
-        <p:spPr/>
-        <p:txBody>
-          <a:bodyPr>
-            <a:normAutofit/>
-          </a:bodyPr>
-          <a:lstStyle/>
-          <a:p>
-            <a:pPr marL="0" indent="0">
-              <a:buNone/>
-            </a:pPr>
-            <a:r>
-              <a:rPr lang="en-IN" sz="1400" dirty="0"/>
-              <a:t> Put down our inferences after analysis &amp; observations from the excel sheet and the 3 plots</a:t>
-            </a:r>
-          </a:p>
-        </p:txBody>
-      </p:sp>
-      <p:sp>
-        <p:nvSpPr>
-          <p:cNvPr id="6" name="Title 1">
+      <p:pic>
+        <p:nvPicPr>
+          <p:cNvPr id="5" name="Picture 4">
             <a:extLst>
               <a:ext uri="{FF2B5EF4-FFF2-40B4-BE49-F238E27FC236}">
-                <a16:creationId xmlns:a16="http://schemas.microsoft.com/office/drawing/2014/main" id="{C9ED24FB-F1DF-43A2-A28A-E1B9714DF31A}"/>
+                <a16:creationId xmlns:a16="http://schemas.microsoft.com/office/drawing/2014/main" id="{2A83255D-381C-4AB8-A5D7-3BED95C5415E}"/>
               </a:ext>
             </a:extLst>
           </p:cNvPr>
-          <p:cNvSpPr>
-            <a:spLocks noGrp="1"/>
-          </p:cNvSpPr>
-          <p:nvPr>
-            <p:ph type="title"/>
-          </p:nvPr>
-        </p:nvSpPr>
+          <p:cNvPicPr>
+            <a:picLocks noChangeAspect="1"/>
+          </p:cNvPicPr>
+          <p:nvPr/>
+        </p:nvPicPr>
+        <p:blipFill>
+          <a:blip r:embed="rId2">
+            <a:extLst>
+              <a:ext uri="{28A0092B-C50C-407E-A947-70E740481C1C}">
+                <a14:useLocalDpi xmlns:a14="http://schemas.microsoft.com/office/drawing/2010/main" val="0"/>
+              </a:ext>
+            </a:extLst>
+          </a:blip>
+          <a:stretch>
+            <a:fillRect/>
+          </a:stretch>
+        </p:blipFill>
         <p:spPr>
           <a:xfrm>
-            <a:off x="404949" y="800336"/>
-            <a:ext cx="11168742" cy="856138"/>
+            <a:off x="490194" y="904973"/>
+            <a:ext cx="10689996" cy="5712643"/>
           </a:xfrm>
+          <a:prstGeom prst="rect">
+            <a:avLst/>
+          </a:prstGeom>
         </p:spPr>
-        <p:txBody>
-          <a:bodyPr>
-            <a:normAutofit/>
-          </a:bodyPr>
-          <a:lstStyle/>
-          <a:p>
-            <a:r>
-              <a:rPr lang="en-IN" sz="3600" b="1" dirty="0"/>
-              <a:t>Summarization	</a:t>
-            </a:r>
-          </a:p>
-        </p:txBody>
-      </p:sp>
+      </p:pic>
     </p:spTree>
     <p:extLst>
       <p:ext uri="{BB962C8B-B14F-4D97-AF65-F5344CB8AC3E}">
-        <p14:creationId xmlns:p14="http://schemas.microsoft.com/office/powerpoint/2010/main" val="3345117839"/>
+        <p14:creationId xmlns:p14="http://schemas.microsoft.com/office/powerpoint/2010/main" val="1835958945"/>
       </p:ext>
     </p:extLst>
   </p:cSld>
@@ -3768,7 +3746,12 @@
             <p:ph idx="1"/>
           </p:nvPr>
         </p:nvSpPr>
-        <p:spPr/>
+        <p:spPr>
+          <a:xfrm>
+            <a:off x="404949" y="1656474"/>
+            <a:ext cx="11168742" cy="2198600"/>
+          </a:xfrm>
+        </p:spPr>
         <p:txBody>
           <a:bodyPr>
             <a:normAutofit/>
@@ -3779,8 +3762,44 @@
               <a:buNone/>
             </a:pPr>
             <a:r>
-              <a:rPr lang="en-IN" sz="1400" dirty="0"/>
-              <a:t>Put down our investment recommendations to the CEO of Spark Funds </a:t>
+              <a:rPr lang="en-IN" sz="1800" b="1" dirty="0"/>
+              <a:t>Key Observations</a:t>
+            </a:r>
+          </a:p>
+          <a:p>
+            <a:r>
+              <a:rPr lang="en-IN" sz="1800" dirty="0"/>
+              <a:t>Venture funding is most suitable funding type for Spark Funds</a:t>
+            </a:r>
+          </a:p>
+          <a:p>
+            <a:r>
+              <a:rPr lang="en-IN" sz="1800" dirty="0"/>
+              <a:t>USA, UK &amp; India are the top 3 English-speaking countries where most others are investing</a:t>
+            </a:r>
+          </a:p>
+          <a:p>
+            <a:r>
+              <a:rPr lang="en-IN" sz="1800" b="1" dirty="0"/>
+              <a:t>Others</a:t>
+            </a:r>
+            <a:r>
+              <a:rPr lang="en-IN" sz="1800" dirty="0"/>
+              <a:t> sector attracts the maximum no. of investments in all the 3 countries (USA, UK, India)</a:t>
+            </a:r>
+          </a:p>
+          <a:p>
+            <a:r>
+              <a:rPr lang="en-IN" sz="1800" dirty="0"/>
+              <a:t> </a:t>
+            </a:r>
+            <a:r>
+              <a:rPr lang="en-IN" sz="1800" b="1" dirty="0"/>
+              <a:t>Social, Finance, Analytics, Advertising</a:t>
+            </a:r>
+            <a:r>
+              <a:rPr lang="en-IN" sz="1800" dirty="0"/>
+              <a:t> sector attracts the second most no. of investments in all the 3 countries (USA, UK, India)</a:t>
             </a:r>
           </a:p>
         </p:txBody>
@@ -3790,7 +3809,7 @@
           <p:cNvPr id="6" name="Title 1">
             <a:extLst>
               <a:ext uri="{FF2B5EF4-FFF2-40B4-BE49-F238E27FC236}">
-                <a16:creationId xmlns:a16="http://schemas.microsoft.com/office/drawing/2014/main" id="{BB26C5FD-2A30-48F0-AFAE-E61E67137864}"/>
+                <a16:creationId xmlns:a16="http://schemas.microsoft.com/office/drawing/2014/main" id="{C9ED24FB-F1DF-43A2-A28A-E1B9714DF31A}"/>
               </a:ext>
             </a:extLst>
           </p:cNvPr>
@@ -3820,10 +3839,77 @@
           </a:p>
         </p:txBody>
       </p:sp>
+      <p:sp>
+        <p:nvSpPr>
+          <p:cNvPr id="2" name="Rectangle: Rounded Corners 1">
+            <a:extLst>
+              <a:ext uri="{FF2B5EF4-FFF2-40B4-BE49-F238E27FC236}">
+                <a16:creationId xmlns:a16="http://schemas.microsoft.com/office/drawing/2014/main" id="{641670D2-4052-421D-8331-536B6066CD39}"/>
+              </a:ext>
+            </a:extLst>
+          </p:cNvPr>
+          <p:cNvSpPr/>
+          <p:nvPr/>
+        </p:nvSpPr>
+        <p:spPr>
+          <a:xfrm>
+            <a:off x="404949" y="4034673"/>
+            <a:ext cx="10821971" cy="2564091"/>
+          </a:xfrm>
+          <a:prstGeom prst="roundRect">
+            <a:avLst/>
+          </a:prstGeom>
+          <a:ln>
+            <a:solidFill>
+              <a:srgbClr val="FFC000"/>
+            </a:solidFill>
+          </a:ln>
+        </p:spPr>
+        <p:style>
+          <a:lnRef idx="2">
+            <a:schemeClr val="accent6"/>
+          </a:lnRef>
+          <a:fillRef idx="1">
+            <a:schemeClr val="lt1"/>
+          </a:fillRef>
+          <a:effectRef idx="0">
+            <a:schemeClr val="accent6"/>
+          </a:effectRef>
+          <a:fontRef idx="minor">
+            <a:schemeClr val="dk1"/>
+          </a:fontRef>
+        </p:style>
+        <p:txBody>
+          <a:bodyPr rtlCol="0" anchor="t"/>
+          <a:lstStyle/>
+          <a:p>
+            <a:r>
+              <a:rPr lang="en-US" i="1" dirty="0"/>
+              <a:t>Recommendation: Although Others sector attracts the maximum # of investments across all the 3 countries it does not make business sense to invest in Others sector due to lack of domain focus. Hence our recommendation is that Sparks Funds should invest in </a:t>
+            </a:r>
+            <a:r>
+              <a:rPr lang="en-US" i="1" u="sng" dirty="0"/>
+              <a:t>Social, Finance, Analytics , Advertising </a:t>
+            </a:r>
+            <a:r>
+              <a:rPr lang="en-US" i="1" dirty="0"/>
+              <a:t>sector, which is a close 2</a:t>
+            </a:r>
+            <a:r>
+              <a:rPr lang="en-US" i="1" baseline="30000" dirty="0"/>
+              <a:t>nd</a:t>
+            </a:r>
+            <a:r>
+              <a:rPr lang="en-US" i="1" dirty="0"/>
+              <a:t> to Others sector in terms of #  of investments, in all the 3 English speaking countries (USA, UK, India)</a:t>
+            </a:r>
+          </a:p>
+        </p:txBody>
+      </p:sp>
     </p:spTree>
     <p:extLst>
       <p:ext uri="{BB962C8B-B14F-4D97-AF65-F5344CB8AC3E}">
-        <p14:creationId xmlns:p14="http://schemas.microsoft.com/office/powerpoint/2010/main" val="1399706687"/>
+        <p14:creationId xmlns:p14="http://schemas.microsoft.com/office/powerpoint/2010/main" val="3345117839"/>
       </p:ext>
     </p:extLst>
   </p:cSld>
@@ -4511,7 +4597,7 @@
             <a:pPr algn="ctr"/>
             <a:r>
               <a:rPr lang="en-US" dirty="0"/>
-              <a:t>Summarization</a:t>
+              <a:t>Conclusions</a:t>
             </a:r>
           </a:p>
         </p:txBody>
@@ -4534,126 +4620,6 @@
         <p:spPr>
           <a:xfrm flipH="1">
             <a:off x="7297918" y="4861087"/>
-            <a:ext cx="1388778" cy="0"/>
-          </a:xfrm>
-          <a:prstGeom prst="straightConnector1">
-            <a:avLst/>
-          </a:prstGeom>
-          <a:ln w="38100">
-            <a:solidFill>
-              <a:schemeClr val="tx1"/>
-            </a:solidFill>
-            <a:tailEnd type="stealth" w="lg" len="lg"/>
-          </a:ln>
-        </p:spPr>
-        <p:style>
-          <a:lnRef idx="1">
-            <a:schemeClr val="accent1"/>
-          </a:lnRef>
-          <a:fillRef idx="0">
-            <a:schemeClr val="accent1"/>
-          </a:fillRef>
-          <a:effectRef idx="0">
-            <a:schemeClr val="accent1"/>
-          </a:effectRef>
-          <a:fontRef idx="minor">
-            <a:schemeClr val="tx1"/>
-          </a:fontRef>
-        </p:style>
-      </p:cxnSp>
-      <p:sp>
-        <p:nvSpPr>
-          <p:cNvPr id="26" name="Rectangle: Rounded Corners 25">
-            <a:extLst>
-              <a:ext uri="{FF2B5EF4-FFF2-40B4-BE49-F238E27FC236}">
-                <a16:creationId xmlns:a16="http://schemas.microsoft.com/office/drawing/2014/main" id="{C81FBEF1-794B-4866-B8B9-8FEE240457E6}"/>
-              </a:ext>
-            </a:extLst>
-          </p:cNvPr>
-          <p:cNvSpPr/>
-          <p:nvPr/>
-        </p:nvSpPr>
-        <p:spPr>
-          <a:xfrm>
-            <a:off x="502761" y="4352038"/>
-            <a:ext cx="2705493" cy="1018095"/>
-          </a:xfrm>
-          <a:prstGeom prst="roundRect">
-            <a:avLst/>
-          </a:prstGeom>
-          <a:gradFill>
-            <a:gsLst>
-              <a:gs pos="0">
-                <a:schemeClr val="accent1">
-                  <a:lumMod val="5000"/>
-                  <a:lumOff val="95000"/>
-                </a:schemeClr>
-              </a:gs>
-              <a:gs pos="74000">
-                <a:schemeClr val="accent1">
-                  <a:lumMod val="45000"/>
-                  <a:lumOff val="55000"/>
-                </a:schemeClr>
-              </a:gs>
-              <a:gs pos="83000">
-                <a:schemeClr val="accent1">
-                  <a:lumMod val="45000"/>
-                  <a:lumOff val="55000"/>
-                </a:schemeClr>
-              </a:gs>
-              <a:gs pos="100000">
-                <a:schemeClr val="accent1">
-                  <a:lumMod val="30000"/>
-                  <a:lumOff val="70000"/>
-                </a:schemeClr>
-              </a:gs>
-            </a:gsLst>
-            <a:lin ang="5400000" scaled="1"/>
-          </a:gradFill>
-        </p:spPr>
-        <p:style>
-          <a:lnRef idx="2">
-            <a:schemeClr val="accent6"/>
-          </a:lnRef>
-          <a:fillRef idx="1">
-            <a:schemeClr val="lt1"/>
-          </a:fillRef>
-          <a:effectRef idx="0">
-            <a:schemeClr val="accent6"/>
-          </a:effectRef>
-          <a:fontRef idx="minor">
-            <a:schemeClr val="dk1"/>
-          </a:fontRef>
-        </p:style>
-        <p:txBody>
-          <a:bodyPr rtlCol="0" anchor="ctr"/>
-          <a:lstStyle/>
-          <a:p>
-            <a:pPr algn="ctr"/>
-            <a:r>
-              <a:rPr lang="en-US" dirty="0"/>
-              <a:t>Conclusions</a:t>
-            </a:r>
-          </a:p>
-        </p:txBody>
-      </p:sp>
-      <p:cxnSp>
-        <p:nvCxnSpPr>
-          <p:cNvPr id="27" name="Straight Arrow Connector 26">
-            <a:extLst>
-              <a:ext uri="{FF2B5EF4-FFF2-40B4-BE49-F238E27FC236}">
-                <a16:creationId xmlns:a16="http://schemas.microsoft.com/office/drawing/2014/main" id="{363DD716-BB57-4C4F-82E7-FF363AEADDAC}"/>
-              </a:ext>
-            </a:extLst>
-          </p:cNvPr>
-          <p:cNvCxnSpPr>
-            <a:cxnSpLocks/>
-          </p:cNvCxnSpPr>
-          <p:nvPr/>
-        </p:nvCxnSpPr>
-        <p:spPr>
-          <a:xfrm flipH="1">
-            <a:off x="3223967" y="4845372"/>
             <a:ext cx="1388778" cy="0"/>
           </a:xfrm>
           <a:prstGeom prst="straightConnector1">
@@ -5112,56 +5078,90 @@
               <a:buNone/>
             </a:pPr>
             <a:r>
+              <a:rPr lang="en-IN" sz="2000" b="1" dirty="0"/>
+              <a:t>Missing value treatment</a:t>
+            </a:r>
+          </a:p>
+          <a:p>
+            <a:pPr lvl="1"/>
+            <a:r>
+              <a:rPr lang="en-IN" sz="2000" b="1" i="1" dirty="0" err="1"/>
+              <a:t>raised_amount_usd</a:t>
+            </a:r>
+            <a:r>
+              <a:rPr lang="en-IN" sz="2000" dirty="0"/>
+              <a:t> column in the rounds2 data, which is required in the analysis, had a lot of null values</a:t>
+            </a:r>
+          </a:p>
+          <a:p>
+            <a:pPr lvl="1"/>
+            <a:r>
+              <a:rPr lang="en-IN" sz="2000" dirty="0"/>
+              <a:t>Following two approaches were </a:t>
+            </a:r>
+            <a:r>
+              <a:rPr lang="en-IN" sz="2000" dirty="0" err="1"/>
+              <a:t>analyzed</a:t>
+            </a:r>
+            <a:endParaRPr lang="en-IN" sz="2000" dirty="0"/>
+          </a:p>
+          <a:p>
+            <a:pPr marL="1257300" lvl="2" indent="-342900">
+              <a:buFont typeface="+mj-lt"/>
+              <a:buAutoNum type="arabicPeriod"/>
+            </a:pPr>
+            <a:r>
+              <a:rPr lang="en-IN" dirty="0"/>
+              <a:t>Dropping rows with null values</a:t>
+            </a:r>
+          </a:p>
+          <a:p>
+            <a:pPr marL="1257300" lvl="2" indent="-342900">
+              <a:buFont typeface="+mj-lt"/>
+              <a:buAutoNum type="arabicPeriod"/>
+            </a:pPr>
+            <a:r>
+              <a:rPr lang="en-IN" dirty="0"/>
+              <a:t>Imputing the null values with the 75% percentile value</a:t>
+            </a:r>
+          </a:p>
+          <a:p>
+            <a:pPr lvl="1"/>
+            <a:r>
+              <a:rPr lang="en-IN" sz="2000" dirty="0"/>
+              <a:t>Decided to go with the option of dropping rows with null values for following reasons</a:t>
+            </a:r>
+          </a:p>
+          <a:p>
+            <a:pPr lvl="2"/>
+            <a:r>
+              <a:rPr lang="en-IN" dirty="0"/>
+              <a:t>Percentage of null values (17.39%) is not very significant</a:t>
+            </a:r>
+          </a:p>
+          <a:p>
+            <a:pPr lvl="2"/>
+            <a:r>
+              <a:rPr lang="en-IN" dirty="0"/>
+              <a:t>&gt; 80% of rows will be available even after dropping rows with null values</a:t>
+            </a:r>
+          </a:p>
+          <a:p>
+            <a:pPr lvl="2"/>
+            <a:r>
+              <a:rPr lang="en-IN" dirty="0"/>
+              <a:t>Outcome of 2</a:t>
+            </a:r>
+            <a:r>
+              <a:rPr lang="en-IN" baseline="30000" dirty="0"/>
+              <a:t>nd</a:t>
+            </a:r>
+            <a:r>
+              <a:rPr lang="en-IN" dirty="0"/>
+              <a:t> approach shows “Undisclosed” as one of the preferred investment types which not make business sense practically speaking	</a:t>
+            </a:r>
+            <a:r>
               <a:rPr lang="en-IN" sz="1600" b="1" dirty="0"/>
-              <a:t>Missing value treatment</a:t>
-            </a:r>
-          </a:p>
-          <a:p>
-            <a:pPr lvl="1"/>
-            <a:r>
-              <a:rPr lang="en-IN" sz="1600" dirty="0" err="1"/>
-              <a:t>raised_amount_usd</a:t>
-            </a:r>
-            <a:r>
-              <a:rPr lang="en-IN" sz="1600" dirty="0"/>
-              <a:t> column in the rounds2 data, which is required in the analysis, had a lot of null values</a:t>
-            </a:r>
-          </a:p>
-          <a:p>
-            <a:pPr lvl="1"/>
-            <a:r>
-              <a:rPr lang="en-IN" sz="1600" dirty="0"/>
-              <a:t>Two possible approaches</a:t>
-            </a:r>
-          </a:p>
-          <a:p>
-            <a:pPr lvl="2"/>
-            <a:r>
-              <a:rPr lang="en-IN" sz="1600" dirty="0"/>
-              <a:t>Approach 1 – Remove the rows with null values for </a:t>
-            </a:r>
-            <a:r>
-              <a:rPr lang="en-IN" sz="1600" dirty="0" err="1"/>
-              <a:t>raised_amount_usd</a:t>
-            </a:r>
-            <a:endParaRPr lang="en-IN" sz="1600" dirty="0"/>
-          </a:p>
-          <a:p>
-            <a:pPr lvl="2"/>
-            <a:r>
-              <a:rPr lang="en-IN" sz="1600" dirty="0"/>
-              <a:t>Approach 2 -  Update all the null values for </a:t>
-            </a:r>
-            <a:r>
-              <a:rPr lang="en-IN" sz="1600" dirty="0" err="1"/>
-              <a:t>raised_amount_usd</a:t>
-            </a:r>
-            <a:r>
-              <a:rPr lang="en-IN" sz="1600" dirty="0"/>
-              <a:t> column with the 75% percentile value	</a:t>
-            </a:r>
-            <a:r>
-              <a:rPr lang="en-IN" sz="1200" b="1" dirty="0"/>
               <a:t>	</a:t>
             </a:r>
           </a:p>
@@ -5250,8 +5250,84 @@
           <a:lstStyle/>
           <a:p>
             <a:r>
-              <a:rPr lang="en-IN" sz="1600" dirty="0"/>
-              <a:t>Tables from the excel sheet ? </a:t>
+              <a:rPr lang="en-IN" dirty="0"/>
+              <a:t> Average funding amount for 4 funding types:</a:t>
+            </a:r>
+          </a:p>
+          <a:p>
+            <a:pPr lvl="1"/>
+            <a:r>
+              <a:rPr lang="en-IN" sz="2000" b="1" dirty="0">
+                <a:highlight>
+                  <a:srgbClr val="C0C0C0"/>
+                </a:highlight>
+              </a:rPr>
+              <a:t>Venture Funding –  $11.75 million     </a:t>
+            </a:r>
+            <a:r>
+              <a:rPr lang="en-IN" sz="2000" dirty="0">
+                <a:sym typeface="Wingdings" panose="05000000000000000000" pitchFamily="2" charset="2"/>
+              </a:rPr>
+              <a:t>  Falls in $5 - $15 million range</a:t>
+            </a:r>
+            <a:endParaRPr lang="en-IN" sz="2000" dirty="0"/>
+          </a:p>
+          <a:p>
+            <a:pPr lvl="1"/>
+            <a:r>
+              <a:rPr lang="en-IN" sz="2000" dirty="0"/>
+              <a:t>Angel Funding – $0.96 million</a:t>
+            </a:r>
+          </a:p>
+          <a:p>
+            <a:pPr lvl="1"/>
+            <a:r>
+              <a:rPr lang="en-IN" sz="2000" dirty="0"/>
+              <a:t>Seed Funding - $0.72 million</a:t>
+            </a:r>
+          </a:p>
+          <a:p>
+            <a:pPr lvl="1"/>
+            <a:r>
+              <a:rPr lang="en-IN" sz="2000" dirty="0"/>
+              <a:t>Private Equity - $73.31 million</a:t>
+            </a:r>
+          </a:p>
+          <a:p>
+            <a:pPr lvl="1"/>
+            <a:endParaRPr lang="en-IN" sz="2000" dirty="0"/>
+          </a:p>
+          <a:p>
+            <a:r>
+              <a:rPr lang="en-IN" sz="2400" dirty="0"/>
+              <a:t>Funding type most suitable for investment by Sparks Fund – Venture Funding</a:t>
+            </a:r>
+          </a:p>
+          <a:p>
+            <a:r>
+              <a:rPr lang="en-IN" sz="2400" dirty="0"/>
+              <a:t>Top 3 English speaking countries suitable for investment</a:t>
+            </a:r>
+          </a:p>
+          <a:p>
+            <a:pPr lvl="1"/>
+            <a:r>
+              <a:rPr lang="en-IN" sz="2000" dirty="0"/>
+              <a:t>United States (USA)</a:t>
+            </a:r>
+          </a:p>
+          <a:p>
+            <a:pPr lvl="1"/>
+            <a:r>
+              <a:rPr lang="en-IN" sz="2000" dirty="0"/>
+              <a:t>United Kingdom (GBR)</a:t>
+            </a:r>
+          </a:p>
+          <a:p>
+            <a:pPr lvl="1"/>
+            <a:r>
+              <a:rPr lang="en-IN" sz="2000" dirty="0"/>
+              <a:t>India (IND)</a:t>
             </a:r>
           </a:p>
         </p:txBody>
@@ -5286,7 +5362,7 @@
           <a:p>
             <a:r>
               <a:rPr lang="en-IN" sz="3600" b="1" dirty="0"/>
-              <a:t>Data Analysis	</a:t>
+              <a:t>Data Analysis - Outcome	</a:t>
             </a:r>
           </a:p>
         </p:txBody>
@@ -5323,7 +5399,13 @@
       </p:grpSpPr>
       <p:sp>
         <p:nvSpPr>
-          <p:cNvPr id="6" name="Title 1"/>
+          <p:cNvPr id="6" name="Title 1">
+            <a:extLst>
+              <a:ext uri="{FF2B5EF4-FFF2-40B4-BE49-F238E27FC236}">
+                <a16:creationId xmlns:a16="http://schemas.microsoft.com/office/drawing/2014/main" id="{C9ED24FB-F1DF-43A2-A28A-E1B9714DF31A}"/>
+              </a:ext>
+            </a:extLst>
+          </p:cNvPr>
           <p:cNvSpPr>
             <a:spLocks noGrp="1"/>
           </p:cNvSpPr>
@@ -5333,30 +5415,729 @@
         </p:nvSpPr>
         <p:spPr>
           <a:xfrm>
-            <a:off x="1136469" y="640080"/>
-            <a:ext cx="9313817" cy="856138"/>
+            <a:off x="404949" y="800336"/>
+            <a:ext cx="11168742" cy="856138"/>
           </a:xfrm>
         </p:spPr>
         <p:txBody>
-          <a:bodyPr/>
-          <a:lstStyle/>
-          <a:p>
-            <a:r>
-              <a:rPr lang="en-IN" b="1" dirty="0"/>
-              <a:t> </a:t>
-            </a:r>
-            <a:r>
-              <a:rPr lang="en-IN" sz="2800" b="1" dirty="0"/>
-              <a:t>Plot 1 – Investments across funding types</a:t>
-            </a:r>
-            <a:endParaRPr lang="en-IN" sz="2800" dirty="0"/>
-          </a:p>
-        </p:txBody>
-      </p:sp>
+          <a:bodyPr>
+            <a:normAutofit/>
+          </a:bodyPr>
+          <a:lstStyle/>
+          <a:p>
+            <a:r>
+              <a:rPr lang="en-IN" sz="3600" b="1" dirty="0"/>
+              <a:t>Data Analysis - Outcome	</a:t>
+            </a:r>
+          </a:p>
+        </p:txBody>
+      </p:sp>
+      <p:graphicFrame>
+        <p:nvGraphicFramePr>
+          <p:cNvPr id="5" name="Table 4">
+            <a:extLst>
+              <a:ext uri="{FF2B5EF4-FFF2-40B4-BE49-F238E27FC236}">
+                <a16:creationId xmlns:a16="http://schemas.microsoft.com/office/drawing/2014/main" id="{24312D11-F2A4-45C0-80BF-9C6B3EAA0327}"/>
+              </a:ext>
+            </a:extLst>
+          </p:cNvPr>
+          <p:cNvGraphicFramePr>
+            <a:graphicFrameLocks noGrp="1"/>
+          </p:cNvGraphicFramePr>
+          <p:nvPr>
+            <p:extLst>
+              <p:ext uri="{D42A27DB-BD31-4B8C-83A1-F6EECF244321}">
+                <p14:modId xmlns:p14="http://schemas.microsoft.com/office/powerpoint/2010/main" val="2861570876"/>
+              </p:ext>
+            </p:extLst>
+          </p:nvPr>
+        </p:nvGraphicFramePr>
+        <p:xfrm>
+          <a:off x="249609" y="1656474"/>
+          <a:ext cx="11479421" cy="5045987"/>
+        </p:xfrm>
+        <a:graphic>
+          <a:graphicData uri="http://schemas.openxmlformats.org/drawingml/2006/table">
+            <a:tbl>
+              <a:tblPr firstRow="1" bandRow="1">
+                <a:tableStyleId>{BC89EF96-8CEA-46FF-86C4-4CE0E7609802}</a:tableStyleId>
+              </a:tblPr>
+              <a:tblGrid>
+                <a:gridCol w="3200601">
+                  <a:extLst>
+                    <a:ext uri="{9D8B030D-6E8A-4147-A177-3AD203B41FA5}">
+                      <a16:colId xmlns:a16="http://schemas.microsoft.com/office/drawing/2014/main" val="1911837867"/>
+                    </a:ext>
+                  </a:extLst>
+                </a:gridCol>
+                <a:gridCol w="2743200">
+                  <a:extLst>
+                    <a:ext uri="{9D8B030D-6E8A-4147-A177-3AD203B41FA5}">
+                      <a16:colId xmlns:a16="http://schemas.microsoft.com/office/drawing/2014/main" val="966970987"/>
+                    </a:ext>
+                  </a:extLst>
+                </a:gridCol>
+                <a:gridCol w="2592230">
+                  <a:extLst>
+                    <a:ext uri="{9D8B030D-6E8A-4147-A177-3AD203B41FA5}">
+                      <a16:colId xmlns:a16="http://schemas.microsoft.com/office/drawing/2014/main" val="242884322"/>
+                    </a:ext>
+                  </a:extLst>
+                </a:gridCol>
+                <a:gridCol w="2943390">
+                  <a:extLst>
+                    <a:ext uri="{9D8B030D-6E8A-4147-A177-3AD203B41FA5}">
+                      <a16:colId xmlns:a16="http://schemas.microsoft.com/office/drawing/2014/main" val="2331340456"/>
+                    </a:ext>
+                  </a:extLst>
+                </a:gridCol>
+              </a:tblGrid>
+              <a:tr h="504200">
+                <a:tc>
+                  <a:txBody>
+                    <a:bodyPr/>
+                    <a:lstStyle/>
+                    <a:p>
+                      <a:endParaRPr lang="en-US" sz="1600" dirty="0"/>
+                    </a:p>
+                  </a:txBody>
+                  <a:tcPr/>
+                </a:tc>
+                <a:tc>
+                  <a:txBody>
+                    <a:bodyPr/>
+                    <a:lstStyle/>
+                    <a:p>
+                      <a:pPr algn="ctr"/>
+                      <a:r>
+                        <a:rPr lang="en-US" sz="1600" dirty="0"/>
+                        <a:t>USA</a:t>
+                      </a:r>
+                    </a:p>
+                  </a:txBody>
+                  <a:tcPr/>
+                </a:tc>
+                <a:tc>
+                  <a:txBody>
+                    <a:bodyPr/>
+                    <a:lstStyle/>
+                    <a:p>
+                      <a:pPr algn="ctr"/>
+                      <a:r>
+                        <a:rPr lang="en-US" sz="1600" dirty="0"/>
+                        <a:t>GBR</a:t>
+                      </a:r>
+                    </a:p>
+                  </a:txBody>
+                  <a:tcPr/>
+                </a:tc>
+                <a:tc>
+                  <a:txBody>
+                    <a:bodyPr/>
+                    <a:lstStyle/>
+                    <a:p>
+                      <a:pPr algn="ctr"/>
+                      <a:r>
+                        <a:rPr lang="en-US" sz="1600" dirty="0"/>
+                        <a:t>IND</a:t>
+                      </a:r>
+                    </a:p>
+                  </a:txBody>
+                  <a:tcPr/>
+                </a:tc>
+                <a:extLst>
+                  <a:ext uri="{0D108BD9-81ED-4DB2-BD59-A6C34878D82A}">
+                    <a16:rowId xmlns:a16="http://schemas.microsoft.com/office/drawing/2014/main" val="2996260041"/>
+                  </a:ext>
+                </a:extLst>
+              </a:tr>
+              <a:tr h="511202">
+                <a:tc>
+                  <a:txBody>
+                    <a:bodyPr/>
+                    <a:lstStyle/>
+                    <a:p>
+                      <a:r>
+                        <a:rPr lang="en-US" sz="1600" b="1" dirty="0"/>
+                        <a:t># of Investments</a:t>
+                      </a:r>
+                    </a:p>
+                  </a:txBody>
+                  <a:tcPr/>
+                </a:tc>
+                <a:tc>
+                  <a:txBody>
+                    <a:bodyPr/>
+                    <a:lstStyle/>
+                    <a:p>
+                      <a:pPr algn="r"/>
+                      <a:r>
+                        <a:rPr lang="en-US" sz="1600" dirty="0"/>
+                        <a:t>12150</a:t>
+                      </a:r>
+                    </a:p>
+                  </a:txBody>
+                  <a:tcPr/>
+                </a:tc>
+                <a:tc>
+                  <a:txBody>
+                    <a:bodyPr/>
+                    <a:lstStyle/>
+                    <a:p>
+                      <a:pPr algn="r"/>
+                      <a:r>
+                        <a:rPr lang="en-US" sz="1600" dirty="0"/>
+                        <a:t>628</a:t>
+                      </a:r>
+                    </a:p>
+                  </a:txBody>
+                  <a:tcPr/>
+                </a:tc>
+                <a:tc>
+                  <a:txBody>
+                    <a:bodyPr/>
+                    <a:lstStyle/>
+                    <a:p>
+                      <a:pPr algn="r"/>
+                      <a:r>
+                        <a:rPr lang="en-US" sz="1600" dirty="0"/>
+                        <a:t>330</a:t>
+                      </a:r>
+                    </a:p>
+                  </a:txBody>
+                  <a:tcPr/>
+                </a:tc>
+                <a:extLst>
+                  <a:ext uri="{0D108BD9-81ED-4DB2-BD59-A6C34878D82A}">
+                    <a16:rowId xmlns:a16="http://schemas.microsoft.com/office/drawing/2014/main" val="1154653853"/>
+                  </a:ext>
+                </a:extLst>
+              </a:tr>
+              <a:tr h="511202">
+                <a:tc>
+                  <a:txBody>
+                    <a:bodyPr/>
+                    <a:lstStyle/>
+                    <a:p>
+                      <a:r>
+                        <a:rPr lang="en-US" sz="1600" b="1" dirty="0"/>
+                        <a:t>Total investments (USD millions)</a:t>
+                      </a:r>
+                    </a:p>
+                  </a:txBody>
+                  <a:tcPr/>
+                </a:tc>
+                <a:tc>
+                  <a:txBody>
+                    <a:bodyPr/>
+                    <a:lstStyle/>
+                    <a:p>
+                      <a:pPr algn="r"/>
+                      <a:r>
+                        <a:rPr lang="en-US" sz="1600" dirty="0"/>
+                        <a:t>$108,531.35</a:t>
+                      </a:r>
+                    </a:p>
+                  </a:txBody>
+                  <a:tcPr/>
+                </a:tc>
+                <a:tc>
+                  <a:txBody>
+                    <a:bodyPr/>
+                    <a:lstStyle/>
+                    <a:p>
+                      <a:pPr algn="r"/>
+                      <a:r>
+                        <a:rPr lang="en-US" sz="1600" dirty="0"/>
+                        <a:t>5,436.84</a:t>
+                      </a:r>
+                    </a:p>
+                  </a:txBody>
+                  <a:tcPr/>
+                </a:tc>
+                <a:tc>
+                  <a:txBody>
+                    <a:bodyPr/>
+                    <a:lstStyle/>
+                    <a:p>
+                      <a:pPr algn="r"/>
+                      <a:r>
+                        <a:rPr lang="en-US" sz="1600" dirty="0"/>
+                        <a:t>$2,976.54</a:t>
+                      </a:r>
+                    </a:p>
+                  </a:txBody>
+                  <a:tcPr/>
+                </a:tc>
+                <a:extLst>
+                  <a:ext uri="{0D108BD9-81ED-4DB2-BD59-A6C34878D82A}">
+                    <a16:rowId xmlns:a16="http://schemas.microsoft.com/office/drawing/2014/main" val="1590982816"/>
+                  </a:ext>
+                </a:extLst>
+              </a:tr>
+              <a:tr h="511202">
+                <a:tc>
+                  <a:txBody>
+                    <a:bodyPr/>
+                    <a:lstStyle/>
+                    <a:p>
+                      <a:r>
+                        <a:rPr lang="en-US" sz="1600" b="1" dirty="0"/>
+                        <a:t>Top sector (By # of investments)</a:t>
+                      </a:r>
+                    </a:p>
+                  </a:txBody>
+                  <a:tcPr/>
+                </a:tc>
+                <a:tc>
+                  <a:txBody>
+                    <a:bodyPr/>
+                    <a:lstStyle/>
+                    <a:p>
+                      <a:pPr algn="l"/>
+                      <a:r>
+                        <a:rPr lang="en-US" sz="1600" dirty="0"/>
+                        <a:t>Others (2951)</a:t>
+                      </a:r>
+                    </a:p>
+                  </a:txBody>
+                  <a:tcPr/>
+                </a:tc>
+                <a:tc>
+                  <a:txBody>
+                    <a:bodyPr/>
+                    <a:lstStyle/>
+                    <a:p>
+                      <a:pPr algn="l"/>
+                      <a:r>
+                        <a:rPr lang="en-US" sz="1600" dirty="0"/>
+                        <a:t>Others (147)</a:t>
+                      </a:r>
+                    </a:p>
+                  </a:txBody>
+                  <a:tcPr/>
+                </a:tc>
+                <a:tc>
+                  <a:txBody>
+                    <a:bodyPr/>
+                    <a:lstStyle/>
+                    <a:p>
+                      <a:pPr algn="l"/>
+                      <a:r>
+                        <a:rPr lang="en-US" sz="1600" dirty="0"/>
+                        <a:t>Others (110)</a:t>
+                      </a:r>
+                    </a:p>
+                  </a:txBody>
+                  <a:tcPr/>
+                </a:tc>
+                <a:extLst>
+                  <a:ext uri="{0D108BD9-81ED-4DB2-BD59-A6C34878D82A}">
+                    <a16:rowId xmlns:a16="http://schemas.microsoft.com/office/drawing/2014/main" val="3181343124"/>
+                  </a:ext>
+                </a:extLst>
+              </a:tr>
+              <a:tr h="621255">
+                <a:tc>
+                  <a:txBody>
+                    <a:bodyPr/>
+                    <a:lstStyle/>
+                    <a:p>
+                      <a:pPr marL="0" marR="0" lvl="0" indent="0" algn="l" defTabSz="914400" rtl="0" eaLnBrk="1" fontAlgn="auto" latinLnBrk="0" hangingPunct="1">
+                        <a:lnSpc>
+                          <a:spcPct val="100000"/>
+                        </a:lnSpc>
+                        <a:spcBef>
+                          <a:spcPts val="0"/>
+                        </a:spcBef>
+                        <a:spcAft>
+                          <a:spcPts val="0"/>
+                        </a:spcAft>
+                        <a:buClrTx/>
+                        <a:buSzTx/>
+                        <a:buFontTx/>
+                        <a:buNone/>
+                        <a:tabLst/>
+                        <a:defRPr/>
+                      </a:pPr>
+                      <a:r>
+                        <a:rPr lang="en-US" sz="1600" b="1" dirty="0"/>
+                        <a:t>Second sector (By # of investments)</a:t>
+                      </a:r>
+                    </a:p>
+                    <a:p>
+                      <a:endParaRPr lang="en-US" sz="1600" b="1" dirty="0"/>
+                    </a:p>
+                  </a:txBody>
+                  <a:tcPr/>
+                </a:tc>
+                <a:tc>
+                  <a:txBody>
+                    <a:bodyPr/>
+                    <a:lstStyle/>
+                    <a:p>
+                      <a:pPr algn="l"/>
+                      <a:r>
+                        <a:rPr lang="en-US" sz="1600" dirty="0"/>
+                        <a:t>Social, Finance, Analytics, Advertising (2714)</a:t>
+                      </a:r>
+                    </a:p>
+                  </a:txBody>
+                  <a:tcPr/>
+                </a:tc>
+                <a:tc>
+                  <a:txBody>
+                    <a:bodyPr/>
+                    <a:lstStyle/>
+                    <a:p>
+                      <a:pPr algn="l"/>
+                      <a:r>
+                        <a:rPr lang="en-US" sz="1600" dirty="0"/>
+                        <a:t>Social, Finance, Analytics, Advertising (133)</a:t>
+                      </a:r>
+                    </a:p>
+                  </a:txBody>
+                  <a:tcPr/>
+                </a:tc>
+                <a:tc>
+                  <a:txBody>
+                    <a:bodyPr/>
+                    <a:lstStyle/>
+                    <a:p>
+                      <a:pPr algn="l"/>
+                      <a:r>
+                        <a:rPr lang="en-US" sz="1600" dirty="0"/>
+                        <a:t>Social, Finance, Analytics, Advertising (60)</a:t>
+                      </a:r>
+                    </a:p>
+                  </a:txBody>
+                  <a:tcPr/>
+                </a:tc>
+                <a:extLst>
+                  <a:ext uri="{0D108BD9-81ED-4DB2-BD59-A6C34878D82A}">
+                    <a16:rowId xmlns:a16="http://schemas.microsoft.com/office/drawing/2014/main" val="619354315"/>
+                  </a:ext>
+                </a:extLst>
+              </a:tr>
+              <a:tr h="621255">
+                <a:tc>
+                  <a:txBody>
+                    <a:bodyPr/>
+                    <a:lstStyle/>
+                    <a:p>
+                      <a:pPr marL="0" marR="0" lvl="0" indent="0" algn="l" defTabSz="914400" rtl="0" eaLnBrk="1" fontAlgn="auto" latinLnBrk="0" hangingPunct="1">
+                        <a:lnSpc>
+                          <a:spcPct val="100000"/>
+                        </a:lnSpc>
+                        <a:spcBef>
+                          <a:spcPts val="0"/>
+                        </a:spcBef>
+                        <a:spcAft>
+                          <a:spcPts val="0"/>
+                        </a:spcAft>
+                        <a:buClrTx/>
+                        <a:buSzTx/>
+                        <a:buFontTx/>
+                        <a:buNone/>
+                        <a:tabLst/>
+                        <a:defRPr/>
+                      </a:pPr>
+                      <a:r>
+                        <a:rPr lang="en-US" sz="1600" b="1" dirty="0"/>
+                        <a:t>Third sector (By # of investments)</a:t>
+                      </a:r>
+                    </a:p>
+                    <a:p>
+                      <a:endParaRPr lang="en-US" sz="1600" b="1" dirty="0"/>
+                    </a:p>
+                  </a:txBody>
+                  <a:tcPr/>
+                </a:tc>
+                <a:tc>
+                  <a:txBody>
+                    <a:bodyPr/>
+                    <a:lstStyle/>
+                    <a:p>
+                      <a:pPr algn="l"/>
+                      <a:r>
+                        <a:rPr lang="en-US" sz="1600" dirty="0"/>
+                        <a:t>Cleantech / Semiconductors (2350)</a:t>
+                      </a:r>
+                    </a:p>
+                  </a:txBody>
+                  <a:tcPr/>
+                </a:tc>
+                <a:tc>
+                  <a:txBody>
+                    <a:bodyPr/>
+                    <a:lstStyle/>
+                    <a:p>
+                      <a:pPr algn="l"/>
+                      <a:r>
+                        <a:rPr lang="en-US" sz="1600" dirty="0"/>
+                        <a:t>Cleantech / Semiconductors (130)</a:t>
+                      </a:r>
+                    </a:p>
+                  </a:txBody>
+                  <a:tcPr/>
+                </a:tc>
+                <a:tc>
+                  <a:txBody>
+                    <a:bodyPr/>
+                    <a:lstStyle/>
+                    <a:p>
+                      <a:pPr algn="l"/>
+                      <a:r>
+                        <a:rPr lang="en-US" sz="1600" dirty="0"/>
+                        <a:t>News, Search and Messaging </a:t>
+                      </a:r>
+                    </a:p>
+                    <a:p>
+                      <a:pPr algn="l"/>
+                      <a:r>
+                        <a:rPr lang="en-US" sz="1600" dirty="0"/>
+                        <a:t>(52)</a:t>
+                      </a:r>
+                    </a:p>
+                  </a:txBody>
+                  <a:tcPr/>
+                </a:tc>
+                <a:extLst>
+                  <a:ext uri="{0D108BD9-81ED-4DB2-BD59-A6C34878D82A}">
+                    <a16:rowId xmlns:a16="http://schemas.microsoft.com/office/drawing/2014/main" val="84428041"/>
+                  </a:ext>
+                </a:extLst>
+              </a:tr>
+              <a:tr h="621255">
+                <a:tc>
+                  <a:txBody>
+                    <a:bodyPr/>
+                    <a:lstStyle/>
+                    <a:p>
+                      <a:r>
+                        <a:rPr lang="en-US" sz="1600" b="1" dirty="0"/>
+                        <a:t>Company receiving highest investment (Top Sector)</a:t>
+                      </a:r>
+                    </a:p>
+                  </a:txBody>
+                  <a:tcPr/>
+                </a:tc>
+                <a:tc>
+                  <a:txBody>
+                    <a:bodyPr/>
+                    <a:lstStyle/>
+                    <a:p>
+                      <a:pPr algn="l"/>
+                      <a:r>
+                        <a:rPr lang="en-US" sz="1600" dirty="0" err="1"/>
+                        <a:t>Kasenna</a:t>
+                      </a:r>
+                      <a:r>
+                        <a:rPr lang="en-US" sz="1600" dirty="0"/>
+                        <a:t> </a:t>
+                      </a:r>
+                    </a:p>
+                    <a:p>
+                      <a:pPr algn="l"/>
+                      <a:r>
+                        <a:rPr lang="en-US" sz="1600" u="sng" dirty="0"/>
+                        <a:t>Sector: Others</a:t>
+                      </a:r>
+                    </a:p>
+                  </a:txBody>
+                  <a:tcPr/>
+                </a:tc>
+                <a:tc>
+                  <a:txBody>
+                    <a:bodyPr/>
+                    <a:lstStyle/>
+                    <a:p>
+                      <a:pPr algn="l"/>
+                      <a:r>
+                        <a:rPr lang="en-US" sz="1600" dirty="0" err="1"/>
+                        <a:t>Tribold</a:t>
+                      </a:r>
+                      <a:r>
+                        <a:rPr lang="en-US" sz="1600" dirty="0"/>
+                        <a:t> </a:t>
+                      </a:r>
+                    </a:p>
+                    <a:p>
+                      <a:pPr algn="l"/>
+                      <a:r>
+                        <a:rPr lang="en-US" sz="1600" u="sng" dirty="0"/>
+                        <a:t>Sector: Others</a:t>
+                      </a:r>
+                    </a:p>
+                  </a:txBody>
+                  <a:tcPr/>
+                </a:tc>
+                <a:tc>
+                  <a:txBody>
+                    <a:bodyPr/>
+                    <a:lstStyle/>
+                    <a:p>
+                      <a:pPr algn="l"/>
+                      <a:r>
+                        <a:rPr lang="en-US" sz="1600" dirty="0" err="1"/>
+                        <a:t>LimeRoad</a:t>
+                      </a:r>
+                      <a:r>
+                        <a:rPr lang="en-US" sz="1600" dirty="0"/>
+                        <a:t> </a:t>
+                      </a:r>
+                    </a:p>
+                    <a:p>
+                      <a:pPr algn="l"/>
+                      <a:r>
+                        <a:rPr lang="en-US" sz="1600" u="sng" dirty="0"/>
+                        <a:t>Sector: Others</a:t>
+                      </a:r>
+                    </a:p>
+                  </a:txBody>
+                  <a:tcPr/>
+                </a:tc>
+                <a:extLst>
+                  <a:ext uri="{0D108BD9-81ED-4DB2-BD59-A6C34878D82A}">
+                    <a16:rowId xmlns:a16="http://schemas.microsoft.com/office/drawing/2014/main" val="2303201750"/>
+                  </a:ext>
+                </a:extLst>
+              </a:tr>
+              <a:tr h="1144416">
+                <a:tc>
+                  <a:txBody>
+                    <a:bodyPr/>
+                    <a:lstStyle/>
+                    <a:p>
+                      <a:pPr marL="0" marR="0" lvl="0" indent="0" algn="l" defTabSz="914400" rtl="0" eaLnBrk="1" fontAlgn="auto" latinLnBrk="0" hangingPunct="1">
+                        <a:lnSpc>
+                          <a:spcPct val="100000"/>
+                        </a:lnSpc>
+                        <a:spcBef>
+                          <a:spcPts val="0"/>
+                        </a:spcBef>
+                        <a:spcAft>
+                          <a:spcPts val="0"/>
+                        </a:spcAft>
+                        <a:buClrTx/>
+                        <a:buSzTx/>
+                        <a:buFontTx/>
+                        <a:buNone/>
+                        <a:tabLst/>
+                        <a:defRPr/>
+                      </a:pPr>
+                      <a:r>
+                        <a:rPr lang="en-US" sz="1600" b="1" dirty="0"/>
+                        <a:t>Company receiving highest investment (2</a:t>
+                      </a:r>
+                      <a:r>
+                        <a:rPr lang="en-US" sz="1600" b="1" baseline="30000" dirty="0"/>
+                        <a:t>nd</a:t>
+                      </a:r>
+                      <a:r>
+                        <a:rPr lang="en-US" sz="1600" b="1" dirty="0"/>
+                        <a:t> best Sector)</a:t>
+                      </a:r>
+                    </a:p>
+                    <a:p>
+                      <a:endParaRPr lang="en-US" sz="1600" b="1" dirty="0"/>
+                    </a:p>
+                  </a:txBody>
+                  <a:tcPr/>
+                </a:tc>
+                <a:tc>
+                  <a:txBody>
+                    <a:bodyPr/>
+                    <a:lstStyle/>
+                    <a:p>
+                      <a:pPr algn="l"/>
+                      <a:r>
+                        <a:rPr lang="en-US" sz="1600" dirty="0" err="1"/>
+                        <a:t>DataTorrent</a:t>
+                      </a:r>
+                      <a:r>
+                        <a:rPr lang="en-US" sz="1600" dirty="0"/>
+                        <a:t> </a:t>
+                      </a:r>
+                    </a:p>
+                    <a:p>
+                      <a:pPr algn="l"/>
+                      <a:r>
+                        <a:rPr lang="en-US" sz="1600" u="sng" dirty="0"/>
+                        <a:t>Sector: Social, Finance, Analytics, Advertising </a:t>
+                      </a:r>
+                    </a:p>
+                  </a:txBody>
+                  <a:tcPr/>
+                </a:tc>
+                <a:tc>
+                  <a:txBody>
+                    <a:bodyPr/>
+                    <a:lstStyle/>
+                    <a:p>
+                      <a:pPr algn="l"/>
+                      <a:r>
+                        <a:rPr lang="en-US" sz="1600" dirty="0" err="1"/>
+                        <a:t>SimilarWeb</a:t>
+                      </a:r>
+                      <a:r>
+                        <a:rPr lang="en-US" sz="1600" dirty="0"/>
+                        <a:t> </a:t>
+                      </a:r>
+                    </a:p>
+                    <a:p>
+                      <a:pPr algn="l"/>
+                      <a:r>
+                        <a:rPr lang="en-US" sz="1600" u="sng" dirty="0"/>
+                        <a:t>Sector: Social, Finance, Analytics, Advertising </a:t>
+                      </a:r>
+                    </a:p>
+                  </a:txBody>
+                  <a:tcPr/>
+                </a:tc>
+                <a:tc>
+                  <a:txBody>
+                    <a:bodyPr/>
+                    <a:lstStyle/>
+                    <a:p>
+                      <a:pPr algn="l"/>
+                      <a:r>
+                        <a:rPr lang="en-US" sz="1600" dirty="0"/>
+                        <a:t>Financial Information Network &amp; Operations </a:t>
+                      </a:r>
+                      <a:r>
+                        <a:rPr lang="en-US" sz="1600" dirty="0" err="1"/>
+                        <a:t>Pvt</a:t>
+                      </a:r>
+                      <a:r>
+                        <a:rPr lang="en-US" sz="1600" dirty="0"/>
+                        <a:t> </a:t>
+                      </a:r>
+                    </a:p>
+                    <a:p>
+                      <a:pPr algn="l"/>
+                      <a:r>
+                        <a:rPr lang="en-US" sz="1600" u="sng" dirty="0"/>
+                        <a:t>Sector: Social, Finance, Analytics, Advertising </a:t>
+                      </a:r>
+                    </a:p>
+                  </a:txBody>
+                  <a:tcPr/>
+                </a:tc>
+                <a:extLst>
+                  <a:ext uri="{0D108BD9-81ED-4DB2-BD59-A6C34878D82A}">
+                    <a16:rowId xmlns:a16="http://schemas.microsoft.com/office/drawing/2014/main" val="801247921"/>
+                  </a:ext>
+                </a:extLst>
+              </a:tr>
+            </a:tbl>
+          </a:graphicData>
+        </a:graphic>
+      </p:graphicFrame>
     </p:spTree>
     <p:extLst>
       <p:ext uri="{BB962C8B-B14F-4D97-AF65-F5344CB8AC3E}">
-        <p14:creationId xmlns:p14="http://schemas.microsoft.com/office/powerpoint/2010/main" val="1739856806"/>
+        <p14:creationId xmlns:p14="http://schemas.microsoft.com/office/powerpoint/2010/main" val="2684449000"/>
       </p:ext>
     </p:extLst>
   </p:cSld>
@@ -5383,42 +6164,46 @@
           <a:chExt cx="0" cy="0"/>
         </a:xfrm>
       </p:grpSpPr>
-      <p:sp>
-        <p:nvSpPr>
-          <p:cNvPr id="6" name="Title 1"/>
-          <p:cNvSpPr>
-            <a:spLocks noGrp="1"/>
-          </p:cNvSpPr>
-          <p:nvPr>
-            <p:ph type="title"/>
-          </p:nvPr>
-        </p:nvSpPr>
+      <p:pic>
+        <p:nvPicPr>
+          <p:cNvPr id="5" name="Picture 4">
+            <a:extLst>
+              <a:ext uri="{FF2B5EF4-FFF2-40B4-BE49-F238E27FC236}">
+                <a16:creationId xmlns:a16="http://schemas.microsoft.com/office/drawing/2014/main" id="{B6053BB8-BFF8-4F6E-8268-8FCCDFE3125B}"/>
+              </a:ext>
+            </a:extLst>
+          </p:cNvPr>
+          <p:cNvPicPr>
+            <a:picLocks noChangeAspect="1"/>
+          </p:cNvPicPr>
+          <p:nvPr/>
+        </p:nvPicPr>
+        <p:blipFill>
+          <a:blip r:embed="rId2">
+            <a:extLst>
+              <a:ext uri="{28A0092B-C50C-407E-A947-70E740481C1C}">
+                <a14:useLocalDpi xmlns:a14="http://schemas.microsoft.com/office/drawing/2010/main" val="0"/>
+              </a:ext>
+            </a:extLst>
+          </a:blip>
+          <a:stretch>
+            <a:fillRect/>
+          </a:stretch>
+        </p:blipFill>
         <p:spPr>
           <a:xfrm>
-            <a:off x="1136469" y="640080"/>
-            <a:ext cx="9313817" cy="856138"/>
+            <a:off x="1640264" y="1015875"/>
+            <a:ext cx="8955464" cy="5441485"/>
           </a:xfrm>
+          <a:prstGeom prst="rect">
+            <a:avLst/>
+          </a:prstGeom>
         </p:spPr>
-        <p:txBody>
-          <a:bodyPr/>
-          <a:lstStyle/>
-          <a:p>
-            <a:r>
-              <a:rPr lang="en-IN" b="1" dirty="0"/>
-              <a:t> </a:t>
-            </a:r>
-            <a:r>
-              <a:rPr lang="en-IN" sz="2800" b="1" dirty="0"/>
-              <a:t>Plot 2 – Venture funding investments across countries</a:t>
-            </a:r>
-            <a:endParaRPr lang="en-IN" sz="2800" dirty="0"/>
-          </a:p>
-        </p:txBody>
-      </p:sp>
+      </p:pic>
     </p:spTree>
     <p:extLst>
       <p:ext uri="{BB962C8B-B14F-4D97-AF65-F5344CB8AC3E}">
-        <p14:creationId xmlns:p14="http://schemas.microsoft.com/office/powerpoint/2010/main" val="4159264894"/>
+        <p14:creationId xmlns:p14="http://schemas.microsoft.com/office/powerpoint/2010/main" val="1739856806"/>
       </p:ext>
     </p:extLst>
   </p:cSld>

--- a/Spark Funds Presentation.pptx
+++ b/Spark Funds Presentation.pptx
@@ -5,7 +5,7 @@
     <p:sldMasterId id="2147483660" r:id="rId1"/>
   </p:sldMasterIdLst>
   <p:notesMasterIdLst>
-    <p:notesMasterId r:id="rId14"/>
+    <p:notesMasterId r:id="rId15"/>
   </p:notesMasterIdLst>
   <p:sldIdLst>
     <p:sldId id="256" r:id="rId2"/>
@@ -20,6 +20,7 @@
     <p:sldId id="268" r:id="rId11"/>
     <p:sldId id="269" r:id="rId12"/>
     <p:sldId id="273" r:id="rId13"/>
+    <p:sldId id="275" r:id="rId14"/>
   </p:sldIdLst>
   <p:sldSz cx="12192000" cy="6858000"/>
   <p:notesSz cx="6858000" cy="9144000"/>
@@ -3749,7 +3750,7 @@
         <p:spPr>
           <a:xfrm>
             <a:off x="404949" y="1656474"/>
-            <a:ext cx="11168742" cy="2198600"/>
+            <a:ext cx="11168742" cy="3641390"/>
           </a:xfrm>
         </p:spPr>
         <p:txBody>
@@ -3762,43 +3763,43 @@
               <a:buNone/>
             </a:pPr>
             <a:r>
-              <a:rPr lang="en-IN" sz="1800" b="1" dirty="0"/>
+              <a:rPr lang="en-IN" sz="2400" b="1" dirty="0"/>
               <a:t>Key Observations</a:t>
             </a:r>
           </a:p>
           <a:p>
             <a:r>
-              <a:rPr lang="en-IN" sz="1800" dirty="0"/>
+              <a:rPr lang="en-IN" sz="2400" dirty="0"/>
               <a:t>Venture funding is most suitable funding type for Spark Funds</a:t>
             </a:r>
           </a:p>
           <a:p>
             <a:r>
-              <a:rPr lang="en-IN" sz="1800" dirty="0"/>
+              <a:rPr lang="en-IN" sz="2400" dirty="0"/>
               <a:t>USA, UK &amp; India are the top 3 English-speaking countries where most others are investing</a:t>
             </a:r>
           </a:p>
           <a:p>
             <a:r>
-              <a:rPr lang="en-IN" sz="1800" b="1" dirty="0"/>
+              <a:rPr lang="en-IN" sz="2400" b="1" dirty="0"/>
               <a:t>Others</a:t>
             </a:r>
             <a:r>
-              <a:rPr lang="en-IN" sz="1800" dirty="0"/>
+              <a:rPr lang="en-IN" sz="2400" dirty="0"/>
               <a:t> sector attracts the maximum no. of investments in all the 3 countries (USA, UK, India)</a:t>
             </a:r>
           </a:p>
           <a:p>
             <a:r>
-              <a:rPr lang="en-IN" sz="1800" dirty="0"/>
+              <a:rPr lang="en-IN" sz="2400" dirty="0"/>
               <a:t> </a:t>
             </a:r>
             <a:r>
-              <a:rPr lang="en-IN" sz="1800" b="1" dirty="0"/>
+              <a:rPr lang="en-IN" sz="2400" b="1" dirty="0"/>
               <a:t>Social, Finance, Analytics, Advertising</a:t>
             </a:r>
             <a:r>
-              <a:rPr lang="en-IN" sz="1800" dirty="0"/>
+              <a:rPr lang="en-IN" sz="2400" dirty="0"/>
               <a:t> sector attracts the second most no. of investments in all the 3 countries (USA, UK, India)</a:t>
             </a:r>
           </a:p>
@@ -3835,6 +3836,71 @@
             <a:r>
               <a:rPr lang="en-IN" sz="3600" b="1" dirty="0"/>
               <a:t>Conclusions	</a:t>
+            </a:r>
+          </a:p>
+        </p:txBody>
+      </p:sp>
+    </p:spTree>
+    <p:extLst>
+      <p:ext uri="{BB962C8B-B14F-4D97-AF65-F5344CB8AC3E}">
+        <p14:creationId xmlns:p14="http://schemas.microsoft.com/office/powerpoint/2010/main" val="3345117839"/>
+      </p:ext>
+    </p:extLst>
+  </p:cSld>
+  <p:clrMapOvr>
+    <a:masterClrMapping/>
+  </p:clrMapOvr>
+</p:sld>
+</file>
+
+<file path=ppt/slides/slide13.xml><?xml version="1.0" encoding="utf-8"?>
+<p:sld xmlns:a="http://schemas.openxmlformats.org/drawingml/2006/main" xmlns:r="http://schemas.openxmlformats.org/officeDocument/2006/relationships" xmlns:p="http://schemas.openxmlformats.org/presentationml/2006/main">
+  <p:cSld>
+    <p:spTree>
+      <p:nvGrpSpPr>
+        <p:cNvPr id="1" name=""/>
+        <p:cNvGrpSpPr/>
+        <p:nvPr/>
+      </p:nvGrpSpPr>
+      <p:grpSpPr>
+        <a:xfrm>
+          <a:off x="0" y="0"/>
+          <a:ext cx="0" cy="0"/>
+          <a:chOff x="0" y="0"/>
+          <a:chExt cx="0" cy="0"/>
+        </a:xfrm>
+      </p:grpSpPr>
+      <p:sp>
+        <p:nvSpPr>
+          <p:cNvPr id="6" name="Title 1">
+            <a:extLst>
+              <a:ext uri="{FF2B5EF4-FFF2-40B4-BE49-F238E27FC236}">
+                <a16:creationId xmlns:a16="http://schemas.microsoft.com/office/drawing/2014/main" id="{C9ED24FB-F1DF-43A2-A28A-E1B9714DF31A}"/>
+              </a:ext>
+            </a:extLst>
+          </p:cNvPr>
+          <p:cNvSpPr>
+            <a:spLocks noGrp="1"/>
+          </p:cNvSpPr>
+          <p:nvPr>
+            <p:ph type="title"/>
+          </p:nvPr>
+        </p:nvSpPr>
+        <p:spPr>
+          <a:xfrm>
+            <a:off x="404949" y="800336"/>
+            <a:ext cx="11168742" cy="856138"/>
+          </a:xfrm>
+        </p:spPr>
+        <p:txBody>
+          <a:bodyPr>
+            <a:normAutofit/>
+          </a:bodyPr>
+          <a:lstStyle/>
+          <a:p>
+            <a:r>
+              <a:rPr lang="en-IN" sz="3600" b="1" dirty="0"/>
+              <a:t>Recommendations	</a:t>
             </a:r>
           </a:p>
         </p:txBody>
@@ -3853,8 +3919,8 @@
         </p:nvSpPr>
         <p:spPr>
           <a:xfrm>
-            <a:off x="404949" y="4034673"/>
-            <a:ext cx="10821971" cy="2564091"/>
+            <a:off x="329535" y="1762814"/>
+            <a:ext cx="10821971" cy="1348031"/>
           </a:xfrm>
           <a:prstGeom prst="roundRect">
             <a:avLst/>
@@ -3884,24 +3950,586 @@
           <a:lstStyle/>
           <a:p>
             <a:r>
+              <a:rPr lang="en-US" b="1" i="1" dirty="0"/>
+              <a:t>Although Others sector attracts the maximum # of investments across all the 3 countries it does not make business sense to invest in Others sector due to lack of domain focus. Hence our recommendation is that Sparks Funds should invest in </a:t>
+            </a:r>
+            <a:r>
+              <a:rPr lang="en-US" b="1" i="1" u="sng" dirty="0"/>
+              <a:t>Social, Finance, Analytics , Advertising </a:t>
+            </a:r>
+            <a:r>
+              <a:rPr lang="en-US" b="1" i="1" dirty="0"/>
+              <a:t>sector, which is a close 2</a:t>
+            </a:r>
+            <a:r>
+              <a:rPr lang="en-US" b="1" i="1" baseline="30000" dirty="0"/>
+              <a:t>nd</a:t>
+            </a:r>
+            <a:r>
+              <a:rPr lang="en-US" b="1" i="1" dirty="0"/>
+              <a:t> to Others sector in terms of #  of investments, in all the 3 English speaking countries (USA, UK, India)</a:t>
+            </a:r>
+          </a:p>
+        </p:txBody>
+      </p:sp>
+      <p:graphicFrame>
+        <p:nvGraphicFramePr>
+          <p:cNvPr id="7" name="Table 6">
+            <a:extLst>
+              <a:ext uri="{FF2B5EF4-FFF2-40B4-BE49-F238E27FC236}">
+                <a16:creationId xmlns:a16="http://schemas.microsoft.com/office/drawing/2014/main" id="{FFD957F7-0EE5-4A5D-97BB-4918C93A41F2}"/>
+              </a:ext>
+            </a:extLst>
+          </p:cNvPr>
+          <p:cNvGraphicFramePr>
+            <a:graphicFrameLocks noGrp="1"/>
+          </p:cNvGraphicFramePr>
+          <p:nvPr>
+            <p:extLst>
+              <p:ext uri="{D42A27DB-BD31-4B8C-83A1-F6EECF244321}">
+                <p14:modId xmlns:p14="http://schemas.microsoft.com/office/powerpoint/2010/main" val="1067445521"/>
+              </p:ext>
+            </p:extLst>
+          </p:nvPr>
+        </p:nvGraphicFramePr>
+        <p:xfrm>
+          <a:off x="602911" y="3773080"/>
+          <a:ext cx="9634597" cy="2247789"/>
+        </p:xfrm>
+        <a:graphic>
+          <a:graphicData uri="http://schemas.openxmlformats.org/drawingml/2006/table">
+            <a:tbl>
+              <a:tblPr firstRow="1" bandRow="1">
+                <a:tableStyleId>{BC89EF96-8CEA-46FF-86C4-4CE0E7609802}</a:tableStyleId>
+              </a:tblPr>
+              <a:tblGrid>
+                <a:gridCol w="3192440">
+                  <a:extLst>
+                    <a:ext uri="{9D8B030D-6E8A-4147-A177-3AD203B41FA5}">
+                      <a16:colId xmlns:a16="http://schemas.microsoft.com/office/drawing/2014/main" val="966970987"/>
+                    </a:ext>
+                  </a:extLst>
+                </a:gridCol>
+                <a:gridCol w="3016745">
+                  <a:extLst>
+                    <a:ext uri="{9D8B030D-6E8A-4147-A177-3AD203B41FA5}">
+                      <a16:colId xmlns:a16="http://schemas.microsoft.com/office/drawing/2014/main" val="242884322"/>
+                    </a:ext>
+                  </a:extLst>
+                </a:gridCol>
+                <a:gridCol w="3425412">
+                  <a:extLst>
+                    <a:ext uri="{9D8B030D-6E8A-4147-A177-3AD203B41FA5}">
+                      <a16:colId xmlns:a16="http://schemas.microsoft.com/office/drawing/2014/main" val="2331340456"/>
+                    </a:ext>
+                  </a:extLst>
+                </a:gridCol>
+              </a:tblGrid>
+              <a:tr h="164256">
+                <a:tc>
+                  <a:txBody>
+                    <a:bodyPr/>
+                    <a:lstStyle/>
+                    <a:p>
+                      <a:pPr algn="ctr"/>
+                      <a:r>
+                        <a:rPr lang="en-US" sz="1600" dirty="0"/>
+                        <a:t>USA</a:t>
+                      </a:r>
+                    </a:p>
+                  </a:txBody>
+                  <a:tcPr/>
+                </a:tc>
+                <a:tc>
+                  <a:txBody>
+                    <a:bodyPr/>
+                    <a:lstStyle/>
+                    <a:p>
+                      <a:pPr algn="ctr"/>
+                      <a:r>
+                        <a:rPr lang="en-US" sz="1600" dirty="0"/>
+                        <a:t>GBR</a:t>
+                      </a:r>
+                    </a:p>
+                  </a:txBody>
+                  <a:tcPr/>
+                </a:tc>
+                <a:tc>
+                  <a:txBody>
+                    <a:bodyPr/>
+                    <a:lstStyle/>
+                    <a:p>
+                      <a:pPr algn="ctr"/>
+                      <a:r>
+                        <a:rPr lang="en-US" sz="1600" dirty="0"/>
+                        <a:t>IND</a:t>
+                      </a:r>
+                    </a:p>
+                  </a:txBody>
+                  <a:tcPr/>
+                </a:tc>
+                <a:extLst>
+                  <a:ext uri="{0D108BD9-81ED-4DB2-BD59-A6C34878D82A}">
+                    <a16:rowId xmlns:a16="http://schemas.microsoft.com/office/drawing/2014/main" val="2996260041"/>
+                  </a:ext>
+                </a:extLst>
+              </a:tr>
+              <a:tr h="164256">
+                <a:tc>
+                  <a:txBody>
+                    <a:bodyPr/>
+                    <a:lstStyle/>
+                    <a:p>
+                      <a:pPr algn="l"/>
+                      <a:r>
+                        <a:rPr lang="en-US" sz="1600" dirty="0" err="1"/>
+                        <a:t>DataTorrent</a:t>
+                      </a:r>
+                      <a:endParaRPr lang="en-US" sz="1600" dirty="0"/>
+                    </a:p>
+                  </a:txBody>
+                  <a:tcPr/>
+                </a:tc>
+                <a:tc>
+                  <a:txBody>
+                    <a:bodyPr/>
+                    <a:lstStyle/>
+                    <a:p>
+                      <a:pPr algn="l"/>
+                      <a:r>
+                        <a:rPr lang="en-US" sz="1800" b="0" i="0" kern="1200" dirty="0" err="1">
+                          <a:solidFill>
+                            <a:schemeClr val="tx1"/>
+                          </a:solidFill>
+                          <a:effectLst/>
+                          <a:latin typeface="+mn-lt"/>
+                          <a:ea typeface="+mn-ea"/>
+                          <a:cs typeface="+mn-cs"/>
+                        </a:rPr>
+                        <a:t>SimilarWeb</a:t>
+                      </a:r>
+                      <a:endParaRPr lang="en-US" sz="1600" dirty="0"/>
+                    </a:p>
+                  </a:txBody>
+                  <a:tcPr/>
+                </a:tc>
+                <a:tc>
+                  <a:txBody>
+                    <a:bodyPr/>
+                    <a:lstStyle/>
+                    <a:p>
+                      <a:pPr algn="l"/>
+                      <a:r>
+                        <a:rPr lang="en-US" sz="1800" b="0" i="0" kern="1200" dirty="0" err="1">
+                          <a:solidFill>
+                            <a:schemeClr val="tx1"/>
+                          </a:solidFill>
+                          <a:effectLst/>
+                          <a:latin typeface="+mn-lt"/>
+                          <a:ea typeface="+mn-ea"/>
+                          <a:cs typeface="+mn-cs"/>
+                        </a:rPr>
+                        <a:t>TravelGuru</a:t>
+                      </a:r>
+                      <a:r>
+                        <a:rPr lang="en-US" sz="1800" b="0" i="0" kern="1200" dirty="0">
+                          <a:solidFill>
+                            <a:schemeClr val="tx1"/>
+                          </a:solidFill>
+                          <a:effectLst/>
+                          <a:latin typeface="+mn-lt"/>
+                          <a:ea typeface="+mn-ea"/>
+                          <a:cs typeface="+mn-cs"/>
+                        </a:rPr>
+                        <a:t>*</a:t>
+                      </a:r>
+                      <a:endParaRPr lang="en-US" sz="1600" dirty="0"/>
+                    </a:p>
+                  </a:txBody>
+                  <a:tcPr/>
+                </a:tc>
+                <a:extLst>
+                  <a:ext uri="{0D108BD9-81ED-4DB2-BD59-A6C34878D82A}">
+                    <a16:rowId xmlns:a16="http://schemas.microsoft.com/office/drawing/2014/main" val="1154653853"/>
+                  </a:ext>
+                </a:extLst>
+              </a:tr>
+              <a:tr h="164256">
+                <a:tc>
+                  <a:txBody>
+                    <a:bodyPr/>
+                    <a:lstStyle/>
+                    <a:p>
+                      <a:pPr algn="l"/>
+                      <a:r>
+                        <a:rPr lang="en-US" sz="1800" b="0" i="0" kern="1200" dirty="0" err="1">
+                          <a:solidFill>
+                            <a:schemeClr val="tx1"/>
+                          </a:solidFill>
+                          <a:effectLst/>
+                          <a:latin typeface="+mn-lt"/>
+                          <a:ea typeface="+mn-ea"/>
+                          <a:cs typeface="+mn-cs"/>
+                        </a:rPr>
+                        <a:t>Tongal</a:t>
+                      </a:r>
+                      <a:endParaRPr lang="en-US" sz="1600" dirty="0"/>
+                    </a:p>
+                  </a:txBody>
+                  <a:tcPr/>
+                </a:tc>
+                <a:tc>
+                  <a:txBody>
+                    <a:bodyPr/>
+                    <a:lstStyle/>
+                    <a:p>
+                      <a:pPr algn="l"/>
+                      <a:r>
+                        <a:rPr lang="en-US" sz="1800" b="0" i="0" kern="1200" dirty="0" err="1">
+                          <a:solidFill>
+                            <a:schemeClr val="tx1"/>
+                          </a:solidFill>
+                          <a:effectLst/>
+                          <a:latin typeface="+mn-lt"/>
+                          <a:ea typeface="+mn-ea"/>
+                          <a:cs typeface="+mn-cs"/>
+                        </a:rPr>
+                        <a:t>Zopa</a:t>
+                      </a:r>
+                      <a:endParaRPr lang="en-US" sz="1600" dirty="0"/>
+                    </a:p>
+                  </a:txBody>
+                  <a:tcPr/>
+                </a:tc>
+                <a:tc>
+                  <a:txBody>
+                    <a:bodyPr/>
+                    <a:lstStyle/>
+                    <a:p>
+                      <a:pPr algn="l" fontAlgn="ctr"/>
+                      <a:r>
+                        <a:rPr lang="en-US" dirty="0">
+                          <a:effectLst/>
+                        </a:rPr>
+                        <a:t>ShopClues.com</a:t>
+                      </a:r>
+                    </a:p>
+                  </a:txBody>
+                  <a:tcPr anchor="ctr"/>
+                </a:tc>
+                <a:extLst>
+                  <a:ext uri="{0D108BD9-81ED-4DB2-BD59-A6C34878D82A}">
+                    <a16:rowId xmlns:a16="http://schemas.microsoft.com/office/drawing/2014/main" val="1590982816"/>
+                  </a:ext>
+                </a:extLst>
+              </a:tr>
+              <a:tr h="164256">
+                <a:tc>
+                  <a:txBody>
+                    <a:bodyPr/>
+                    <a:lstStyle/>
+                    <a:p>
+                      <a:pPr algn="l"/>
+                      <a:r>
+                        <a:rPr lang="en-US" sz="1800" b="0" i="0" kern="1200" dirty="0">
+                          <a:solidFill>
+                            <a:schemeClr val="tx1"/>
+                          </a:solidFill>
+                          <a:effectLst/>
+                          <a:latin typeface="+mn-lt"/>
+                          <a:ea typeface="+mn-ea"/>
+                          <a:cs typeface="+mn-cs"/>
+                        </a:rPr>
+                        <a:t>Origami Logic</a:t>
+                      </a:r>
+                      <a:endParaRPr lang="en-US" sz="1600" dirty="0"/>
+                    </a:p>
+                  </a:txBody>
+                  <a:tcPr/>
+                </a:tc>
+                <a:tc>
+                  <a:txBody>
+                    <a:bodyPr/>
+                    <a:lstStyle/>
+                    <a:p>
+                      <a:pPr algn="l"/>
+                      <a:r>
+                        <a:rPr lang="en-US" sz="1800" b="0" i="0" kern="1200" dirty="0" err="1">
+                          <a:solidFill>
+                            <a:schemeClr val="tx1"/>
+                          </a:solidFill>
+                          <a:effectLst/>
+                          <a:latin typeface="+mn-lt"/>
+                          <a:ea typeface="+mn-ea"/>
+                          <a:cs typeface="+mn-cs"/>
+                        </a:rPr>
+                        <a:t>myThings</a:t>
+                      </a:r>
+                      <a:endParaRPr lang="en-US" sz="1600" dirty="0"/>
+                    </a:p>
+                  </a:txBody>
+                  <a:tcPr/>
+                </a:tc>
+                <a:tc>
+                  <a:txBody>
+                    <a:bodyPr/>
+                    <a:lstStyle/>
+                    <a:p>
+                      <a:pPr algn="l"/>
+                      <a:r>
+                        <a:rPr lang="en-US" sz="1800" b="0" i="0" kern="1200" dirty="0" err="1">
+                          <a:solidFill>
+                            <a:schemeClr val="tx1"/>
+                          </a:solidFill>
+                          <a:effectLst/>
+                          <a:latin typeface="+mn-lt"/>
+                          <a:ea typeface="+mn-ea"/>
+                          <a:cs typeface="+mn-cs"/>
+                        </a:rPr>
+                        <a:t>Shiram</a:t>
+                      </a:r>
+                      <a:r>
+                        <a:rPr lang="en-US" sz="1800" b="0" i="0" kern="1200" dirty="0">
+                          <a:solidFill>
+                            <a:schemeClr val="tx1"/>
+                          </a:solidFill>
+                          <a:effectLst/>
+                          <a:latin typeface="+mn-lt"/>
+                          <a:ea typeface="+mn-ea"/>
+                          <a:cs typeface="+mn-cs"/>
+                        </a:rPr>
+                        <a:t> Credit</a:t>
+                      </a:r>
+                      <a:endParaRPr lang="en-US" sz="1600" dirty="0"/>
+                    </a:p>
+                  </a:txBody>
+                  <a:tcPr/>
+                </a:tc>
+                <a:extLst>
+                  <a:ext uri="{0D108BD9-81ED-4DB2-BD59-A6C34878D82A}">
+                    <a16:rowId xmlns:a16="http://schemas.microsoft.com/office/drawing/2014/main" val="3181343124"/>
+                  </a:ext>
+                </a:extLst>
+              </a:tr>
+              <a:tr h="403173">
+                <a:tc>
+                  <a:txBody>
+                    <a:bodyPr/>
+                    <a:lstStyle/>
+                    <a:p>
+                      <a:pPr algn="l" fontAlgn="ctr"/>
+                      <a:r>
+                        <a:rPr lang="en-US" dirty="0" err="1">
+                          <a:effectLst/>
+                        </a:rPr>
+                        <a:t>MediaVast</a:t>
+                      </a:r>
+                      <a:endParaRPr lang="en-US" dirty="0">
+                        <a:effectLst/>
+                      </a:endParaRPr>
+                    </a:p>
+                  </a:txBody>
+                  <a:tcPr anchor="ctr"/>
+                </a:tc>
+                <a:tc>
+                  <a:txBody>
+                    <a:bodyPr/>
+                    <a:lstStyle/>
+                    <a:p>
+                      <a:pPr algn="l"/>
+                      <a:r>
+                        <a:rPr lang="en-US" sz="1800" b="0" i="0" kern="1200" dirty="0" err="1">
+                          <a:solidFill>
+                            <a:schemeClr val="tx1"/>
+                          </a:solidFill>
+                          <a:effectLst/>
+                          <a:latin typeface="+mn-lt"/>
+                          <a:ea typeface="+mn-ea"/>
+                          <a:cs typeface="+mn-cs"/>
+                        </a:rPr>
+                        <a:t>OpenGamma</a:t>
+                      </a:r>
+                      <a:endParaRPr lang="en-US" sz="1600" dirty="0"/>
+                    </a:p>
+                  </a:txBody>
+                  <a:tcPr/>
+                </a:tc>
+                <a:tc>
+                  <a:txBody>
+                    <a:bodyPr/>
+                    <a:lstStyle/>
+                    <a:p>
+                      <a:pPr algn="l" fontAlgn="ctr"/>
+                      <a:r>
+                        <a:rPr lang="en-US" dirty="0" err="1">
+                          <a:effectLst/>
+                        </a:rPr>
+                        <a:t>ApnaPaisa</a:t>
+                      </a:r>
+                      <a:endParaRPr lang="en-US" dirty="0">
+                        <a:effectLst/>
+                      </a:endParaRPr>
+                    </a:p>
+                  </a:txBody>
+                  <a:tcPr anchor="ctr"/>
+                </a:tc>
+                <a:extLst>
+                  <a:ext uri="{0D108BD9-81ED-4DB2-BD59-A6C34878D82A}">
+                    <a16:rowId xmlns:a16="http://schemas.microsoft.com/office/drawing/2014/main" val="619354315"/>
+                  </a:ext>
+                </a:extLst>
+              </a:tr>
+              <a:tr h="412056">
+                <a:tc>
+                  <a:txBody>
+                    <a:bodyPr/>
+                    <a:lstStyle/>
+                    <a:p>
+                      <a:pPr algn="l" fontAlgn="ctr"/>
+                      <a:r>
+                        <a:rPr lang="en-US" dirty="0" err="1">
+                          <a:effectLst/>
+                        </a:rPr>
+                        <a:t>Damballa</a:t>
+                      </a:r>
+                      <a:endParaRPr lang="en-US" dirty="0">
+                        <a:effectLst/>
+                      </a:endParaRPr>
+                    </a:p>
+                  </a:txBody>
+                  <a:tcPr anchor="ctr"/>
+                </a:tc>
+                <a:tc>
+                  <a:txBody>
+                    <a:bodyPr/>
+                    <a:lstStyle/>
+                    <a:p>
+                      <a:pPr algn="l"/>
+                      <a:r>
+                        <a:rPr lang="en-US" sz="1800" b="0" i="0" kern="1200" dirty="0" err="1">
+                          <a:solidFill>
+                            <a:schemeClr val="tx1"/>
+                          </a:solidFill>
+                          <a:effectLst/>
+                          <a:latin typeface="+mn-lt"/>
+                          <a:ea typeface="+mn-ea"/>
+                          <a:cs typeface="+mn-cs"/>
+                        </a:rPr>
+                        <a:t>SportPursuit</a:t>
+                      </a:r>
+                      <a:endParaRPr lang="en-US" sz="1600" dirty="0"/>
+                    </a:p>
+                  </a:txBody>
+                  <a:tcPr/>
+                </a:tc>
+                <a:tc>
+                  <a:txBody>
+                    <a:bodyPr/>
+                    <a:lstStyle/>
+                    <a:p>
+                      <a:pPr algn="l" fontAlgn="ctr"/>
+                      <a:r>
+                        <a:rPr lang="en-US" dirty="0">
+                          <a:effectLst/>
+                        </a:rPr>
+                        <a:t>Manthan Systems</a:t>
+                      </a:r>
+                    </a:p>
+                  </a:txBody>
+                  <a:tcPr anchor="ctr"/>
+                </a:tc>
+                <a:extLst>
+                  <a:ext uri="{0D108BD9-81ED-4DB2-BD59-A6C34878D82A}">
+                    <a16:rowId xmlns:a16="http://schemas.microsoft.com/office/drawing/2014/main" val="84428041"/>
+                  </a:ext>
+                </a:extLst>
+              </a:tr>
+            </a:tbl>
+          </a:graphicData>
+        </a:graphic>
+      </p:graphicFrame>
+      <p:sp>
+        <p:nvSpPr>
+          <p:cNvPr id="8" name="TextBox 7">
+            <a:extLst>
+              <a:ext uri="{FF2B5EF4-FFF2-40B4-BE49-F238E27FC236}">
+                <a16:creationId xmlns:a16="http://schemas.microsoft.com/office/drawing/2014/main" id="{D9DC035A-C81E-4BAB-B44C-9EE0189C353A}"/>
+              </a:ext>
+            </a:extLst>
+          </p:cNvPr>
+          <p:cNvSpPr txBox="1"/>
+          <p:nvPr/>
+        </p:nvSpPr>
+        <p:spPr>
+          <a:xfrm>
+            <a:off x="555778" y="3273793"/>
+            <a:ext cx="10595728" cy="369332"/>
+          </a:xfrm>
+          <a:prstGeom prst="rect">
+            <a:avLst/>
+          </a:prstGeom>
+          <a:noFill/>
+        </p:spPr>
+        <p:txBody>
+          <a:bodyPr wrap="square" rtlCol="0">
+            <a:spAutoFit/>
+          </a:bodyPr>
+          <a:lstStyle/>
+          <a:p>
+            <a:r>
+              <a:rPr lang="en-US" b="1" dirty="0"/>
+              <a:t>Top 5 recommended active Companies to invest in Social, Finance, Analytics , Advertising sector  </a:t>
+            </a:r>
+          </a:p>
+        </p:txBody>
+      </p:sp>
+      <p:sp>
+        <p:nvSpPr>
+          <p:cNvPr id="9" name="TextBox 8">
+            <a:extLst>
+              <a:ext uri="{FF2B5EF4-FFF2-40B4-BE49-F238E27FC236}">
+                <a16:creationId xmlns:a16="http://schemas.microsoft.com/office/drawing/2014/main" id="{E37F1CEE-EBB4-47C8-A54C-85B9D91D4959}"/>
+              </a:ext>
+            </a:extLst>
+          </p:cNvPr>
+          <p:cNvSpPr txBox="1"/>
+          <p:nvPr/>
+        </p:nvSpPr>
+        <p:spPr>
+          <a:xfrm>
+            <a:off x="329535" y="6211669"/>
+            <a:ext cx="11076898" cy="646331"/>
+          </a:xfrm>
+          <a:prstGeom prst="rect">
+            <a:avLst/>
+          </a:prstGeom>
+          <a:noFill/>
+        </p:spPr>
+        <p:txBody>
+          <a:bodyPr wrap="square" rtlCol="0">
+            <a:spAutoFit/>
+          </a:bodyPr>
+          <a:lstStyle/>
+          <a:p>
+            <a:r>
               <a:rPr lang="en-US" i="1" dirty="0"/>
-              <a:t>Recommendation: Although Others sector attracts the maximum # of investments across all the 3 countries it does not make business sense to invest in Others sector due to lack of domain focus. Hence our recommendation is that Sparks Funds should invest in </a:t>
-            </a:r>
-            <a:r>
-              <a:rPr lang="en-US" i="1" u="sng" dirty="0"/>
-              <a:t>Social, Finance, Analytics , Advertising </a:t>
+              <a:t>* Even though Financial Information Network &amp; Operations </a:t>
+            </a:r>
+            <a:r>
+              <a:rPr lang="en-US" i="1" dirty="0" err="1"/>
+              <a:t>Pvt</a:t>
             </a:r>
             <a:r>
               <a:rPr lang="en-US" i="1" dirty="0"/>
-              <a:t>sector, which is a close 2</a:t>
-            </a:r>
-            <a:r>
-              <a:rPr lang="en-US" i="1" baseline="30000" dirty="0"/>
-              <a:t>nd</a:t>
+              <a:t>	is the top invested Indian company it is no longer operational. </a:t>
+            </a:r>
+            <a:r>
+              <a:rPr lang="en-US" i="1" dirty="0" err="1"/>
+              <a:t>TravelGuru</a:t>
             </a:r>
             <a:r>
               <a:rPr lang="en-US" i="1" dirty="0"/>
-              <a:t> to Others sector in terms of #  of investments, in all the 3 English speaking countries (USA, UK, India)</a:t>
+              <a:t> is the second best company.</a:t>
             </a:r>
           </a:p>
         </p:txBody>
@@ -3909,7 +4537,7 @@
     </p:spTree>
     <p:extLst>
       <p:ext uri="{BB962C8B-B14F-4D97-AF65-F5344CB8AC3E}">
-        <p14:creationId xmlns:p14="http://schemas.microsoft.com/office/powerpoint/2010/main" val="3345117839"/>
+        <p14:creationId xmlns:p14="http://schemas.microsoft.com/office/powerpoint/2010/main" val="2765171725"/>
       </p:ext>
     </p:extLst>
   </p:cSld>
@@ -4620,6 +5248,126 @@
         <p:spPr>
           <a:xfrm flipH="1">
             <a:off x="7297918" y="4861087"/>
+            <a:ext cx="1388778" cy="0"/>
+          </a:xfrm>
+          <a:prstGeom prst="straightConnector1">
+            <a:avLst/>
+          </a:prstGeom>
+          <a:ln w="38100">
+            <a:solidFill>
+              <a:schemeClr val="tx1"/>
+            </a:solidFill>
+            <a:tailEnd type="stealth" w="lg" len="lg"/>
+          </a:ln>
+        </p:spPr>
+        <p:style>
+          <a:lnRef idx="1">
+            <a:schemeClr val="accent1"/>
+          </a:lnRef>
+          <a:fillRef idx="0">
+            <a:schemeClr val="accent1"/>
+          </a:fillRef>
+          <a:effectRef idx="0">
+            <a:schemeClr val="accent1"/>
+          </a:effectRef>
+          <a:fontRef idx="minor">
+            <a:schemeClr val="tx1"/>
+          </a:fontRef>
+        </p:style>
+      </p:cxnSp>
+      <p:sp>
+        <p:nvSpPr>
+          <p:cNvPr id="13" name="Rectangle: Rounded Corners 12">
+            <a:extLst>
+              <a:ext uri="{FF2B5EF4-FFF2-40B4-BE49-F238E27FC236}">
+                <a16:creationId xmlns:a16="http://schemas.microsoft.com/office/drawing/2014/main" id="{5AB69119-2795-4B21-9805-3433C8235B0D}"/>
+              </a:ext>
+            </a:extLst>
+          </p:cNvPr>
+          <p:cNvSpPr/>
+          <p:nvPr/>
+        </p:nvSpPr>
+        <p:spPr>
+          <a:xfrm>
+            <a:off x="526329" y="4352037"/>
+            <a:ext cx="2705493" cy="1018095"/>
+          </a:xfrm>
+          <a:prstGeom prst="roundRect">
+            <a:avLst/>
+          </a:prstGeom>
+          <a:gradFill>
+            <a:gsLst>
+              <a:gs pos="0">
+                <a:schemeClr val="accent1">
+                  <a:lumMod val="5000"/>
+                  <a:lumOff val="95000"/>
+                </a:schemeClr>
+              </a:gs>
+              <a:gs pos="74000">
+                <a:schemeClr val="accent1">
+                  <a:lumMod val="45000"/>
+                  <a:lumOff val="55000"/>
+                </a:schemeClr>
+              </a:gs>
+              <a:gs pos="83000">
+                <a:schemeClr val="accent1">
+                  <a:lumMod val="45000"/>
+                  <a:lumOff val="55000"/>
+                </a:schemeClr>
+              </a:gs>
+              <a:gs pos="100000">
+                <a:schemeClr val="accent1">
+                  <a:lumMod val="30000"/>
+                  <a:lumOff val="70000"/>
+                </a:schemeClr>
+              </a:gs>
+            </a:gsLst>
+            <a:lin ang="5400000" scaled="1"/>
+          </a:gradFill>
+        </p:spPr>
+        <p:style>
+          <a:lnRef idx="2">
+            <a:schemeClr val="accent6"/>
+          </a:lnRef>
+          <a:fillRef idx="1">
+            <a:schemeClr val="lt1"/>
+          </a:fillRef>
+          <a:effectRef idx="0">
+            <a:schemeClr val="accent6"/>
+          </a:effectRef>
+          <a:fontRef idx="minor">
+            <a:schemeClr val="dk1"/>
+          </a:fontRef>
+        </p:style>
+        <p:txBody>
+          <a:bodyPr rtlCol="0" anchor="ctr"/>
+          <a:lstStyle/>
+          <a:p>
+            <a:pPr algn="ctr"/>
+            <a:r>
+              <a:rPr lang="en-US" dirty="0"/>
+              <a:t>Recommendations</a:t>
+            </a:r>
+          </a:p>
+        </p:txBody>
+      </p:sp>
+      <p:cxnSp>
+        <p:nvCxnSpPr>
+          <p:cNvPr id="14" name="Straight Arrow Connector 13">
+            <a:extLst>
+              <a:ext uri="{FF2B5EF4-FFF2-40B4-BE49-F238E27FC236}">
+                <a16:creationId xmlns:a16="http://schemas.microsoft.com/office/drawing/2014/main" id="{A454CE39-B380-4B04-A3FE-54A3551EB28A}"/>
+              </a:ext>
+            </a:extLst>
+          </p:cNvPr>
+          <p:cNvCxnSpPr>
+            <a:cxnSpLocks/>
+          </p:cNvCxnSpPr>
+          <p:nvPr/>
+        </p:nvCxnSpPr>
+        <p:spPr>
+          <a:xfrm flipH="1">
+            <a:off x="3231822" y="4829658"/>
             <a:ext cx="1388778" cy="0"/>
           </a:xfrm>
           <a:prstGeom prst="straightConnector1">
@@ -4846,7 +5594,7 @@
         </p:spPr>
         <p:txBody>
           <a:bodyPr>
-            <a:normAutofit lnSpcReduction="10000"/>
+            <a:normAutofit fontScale="92500" lnSpcReduction="10000"/>
           </a:bodyPr>
           <a:lstStyle/>
           <a:p>
@@ -4865,7 +5613,7 @@
             </a:r>
             <a:r>
               <a:rPr lang="en-IN" sz="1600" dirty="0"/>
-              <a:t> - Companies data extracted from crunchbase.com</a:t>
+              <a:t> –Contains details of the companies for which investments are made</a:t>
             </a:r>
           </a:p>
           <a:p>
@@ -4875,7 +5623,7 @@
             </a:r>
             <a:r>
               <a:rPr lang="en-IN" sz="1600" dirty="0"/>
-              <a:t> - Details of funding rounds for companies for crunchbase.com</a:t>
+              <a:t> - Details of investment funding rounds for companies by the investors</a:t>
             </a:r>
           </a:p>
           <a:p>
@@ -4943,6 +5691,12 @@
             <a:pPr marL="0" indent="0">
               <a:buNone/>
             </a:pPr>
+            <a:endParaRPr lang="en-IN" sz="1600" dirty="0"/>
+          </a:p>
+          <a:p>
+            <a:pPr marL="0" indent="0">
+              <a:buNone/>
+            </a:pPr>
             <a:r>
               <a:rPr lang="en-IN" sz="1600" b="1" dirty="0"/>
               <a:t>Data Quality</a:t>
@@ -4951,7 +5705,7 @@
           <a:p>
             <a:r>
               <a:rPr lang="en-IN" sz="1600" dirty="0"/>
-              <a:t>Encoding issues exist in permalink column of companies data source and </a:t>
+              <a:t>Encoding issues exist in permalink &amp; names column of companies data source and </a:t>
             </a:r>
             <a:r>
               <a:rPr lang="en-IN" sz="1600" dirty="0" err="1"/>
@@ -5067,7 +5821,12 @@
             <p:ph idx="1"/>
           </p:nvPr>
         </p:nvSpPr>
-        <p:spPr/>
+        <p:spPr>
+          <a:xfrm>
+            <a:off x="404949" y="1656474"/>
+            <a:ext cx="11168742" cy="4829167"/>
+          </a:xfrm>
+        </p:spPr>
         <p:txBody>
           <a:bodyPr>
             <a:normAutofit/>
@@ -5097,13 +5856,8 @@
             <a:pPr lvl="1"/>
             <a:r>
               <a:rPr lang="en-IN" sz="2000" dirty="0"/>
-              <a:t>Following two approaches were </a:t>
-            </a:r>
-            <a:r>
-              <a:rPr lang="en-IN" sz="2000" dirty="0" err="1"/>
-              <a:t>analyzed</a:t>
-            </a:r>
-            <a:endParaRPr lang="en-IN" sz="2000" dirty="0"/>
+              <a:t>Following two approaches were analysed</a:t>
+            </a:r>
           </a:p>
           <a:p>
             <a:pPr marL="1257300" lvl="2" indent="-342900">
@@ -5158,10 +5912,30 @@
             </a:r>
             <a:r>
               <a:rPr lang="en-IN" dirty="0"/>
-              <a:t> approach shows “Undisclosed” as one of the preferred investment types which not make business sense practically speaking	</a:t>
-            </a:r>
-            <a:r>
-              <a:rPr lang="en-IN" sz="1600" b="1" dirty="0"/>
+              <a:t> approach shows “Undisclosed” as one of the preferred investment types which not make business sense practically speaking</a:t>
+            </a:r>
+          </a:p>
+          <a:p>
+            <a:pPr lvl="2"/>
+            <a:endParaRPr lang="en-IN" dirty="0"/>
+          </a:p>
+          <a:p>
+            <a:pPr marL="0" indent="0">
+              <a:buNone/>
+            </a:pPr>
+            <a:r>
+              <a:rPr lang="en-IN" sz="2000" b="1" dirty="0"/>
+              <a:t>Mapping of unmatched sectors in mappings</a:t>
+            </a:r>
+          </a:p>
+          <a:p>
+            <a:pPr lvl="1"/>
+            <a:r>
+              <a:rPr lang="en-IN" sz="1800" dirty="0"/>
+              <a:t>All unmatched primary sectors are mapped to Others main sector</a:t>
+            </a:r>
+            <a:r>
+              <a:rPr lang="en-IN" sz="1800" b="1" dirty="0"/>
               <a:t>	</a:t>
             </a:r>
           </a:p>
@@ -5242,16 +6016,43 @@
             <p:ph idx="1"/>
           </p:nvPr>
         </p:nvSpPr>
-        <p:spPr/>
+        <p:spPr>
+          <a:xfrm>
+            <a:off x="404949" y="1854926"/>
+            <a:ext cx="11168742" cy="4498740"/>
+          </a:xfrm>
+        </p:spPr>
         <p:txBody>
           <a:bodyPr>
-            <a:normAutofit/>
+            <a:normAutofit fontScale="85000" lnSpcReduction="20000"/>
           </a:bodyPr>
           <a:lstStyle/>
           <a:p>
             <a:r>
               <a:rPr lang="en-IN" dirty="0"/>
-              <a:t> Average funding amount for 4 funding types:</a:t>
+              <a:t>Status of companies</a:t>
+            </a:r>
+          </a:p>
+          <a:p>
+            <a:pPr lvl="1"/>
+            <a:r>
+              <a:rPr lang="en-IN" dirty="0"/>
+              <a:t>Closed status of companies are not excluded from the analysis as goal is to understand the overall investment pattern by sectors and countries and not by individual companies</a:t>
+            </a:r>
+          </a:p>
+          <a:p>
+            <a:pPr marL="457200" lvl="1" indent="0">
+              <a:buNone/>
+            </a:pPr>
+            <a:r>
+              <a:rPr lang="en-IN" dirty="0"/>
+              <a:t> </a:t>
+            </a:r>
+          </a:p>
+          <a:p>
+            <a:r>
+              <a:rPr lang="en-IN" dirty="0"/>
+              <a:t>Average funding amount for 4 funding types:</a:t>
             </a:r>
           </a:p>
           <a:p>
@@ -5294,41 +6095,53 @@
             </a:r>
           </a:p>
           <a:p>
+            <a:pPr marL="457200" lvl="1" indent="0">
+              <a:buNone/>
+            </a:pPr>
+            <a:endParaRPr lang="en-IN" sz="2000" dirty="0"/>
+          </a:p>
+          <a:p>
+            <a:r>
+              <a:rPr lang="en-IN" sz="2400" dirty="0"/>
+              <a:t>Funding type most suitable for investment by Sparks Fund – Venture Funding</a:t>
+            </a:r>
+          </a:p>
+          <a:p>
+            <a:pPr marL="0" indent="0">
+              <a:buNone/>
+            </a:pPr>
+            <a:endParaRPr lang="en-IN" sz="2400" dirty="0"/>
+          </a:p>
+          <a:p>
+            <a:r>
+              <a:rPr lang="en-IN" sz="2400" dirty="0"/>
+              <a:t>Top 3 English speaking countries suitable for investment</a:t>
+            </a:r>
+          </a:p>
+          <a:p>
+            <a:pPr lvl="1"/>
+            <a:r>
+              <a:rPr lang="en-IN" sz="2000" dirty="0"/>
+              <a:t>United States (USA)</a:t>
+            </a:r>
+          </a:p>
+          <a:p>
+            <a:pPr lvl="1"/>
+            <a:r>
+              <a:rPr lang="en-IN" sz="2000" dirty="0"/>
+              <a:t>United Kingdom (GBR)</a:t>
+            </a:r>
+          </a:p>
+          <a:p>
+            <a:pPr lvl="1"/>
+            <a:r>
+              <a:rPr lang="en-IN" sz="2000" dirty="0"/>
+              <a:t>India (IND)</a:t>
+            </a:r>
+          </a:p>
+          <a:p>
             <a:pPr lvl="1"/>
             <a:endParaRPr lang="en-IN" sz="2000" dirty="0"/>
-          </a:p>
-          <a:p>
-            <a:r>
-              <a:rPr lang="en-IN" sz="2400" dirty="0"/>
-              <a:t>Funding type most suitable for investment by Sparks Fund – Venture Funding</a:t>
-            </a:r>
-          </a:p>
-          <a:p>
-            <a:r>
-              <a:rPr lang="en-IN" sz="2400" dirty="0"/>
-              <a:t>Top 3 English speaking countries suitable for investment</a:t>
-            </a:r>
-          </a:p>
-          <a:p>
-            <a:pPr lvl="1"/>
-            <a:r>
-              <a:rPr lang="en-IN" sz="2000" dirty="0"/>
-              <a:t>United States (USA)</a:t>
-            </a:r>
-          </a:p>
-          <a:p>
-            <a:pPr lvl="1"/>
-            <a:r>
-              <a:rPr lang="en-IN" sz="2000" dirty="0"/>
-              <a:t>United Kingdom (GBR)</a:t>
-            </a:r>
-          </a:p>
-          <a:p>
-            <a:pPr lvl="1"/>
-            <a:r>
-              <a:rPr lang="en-IN" sz="2000" dirty="0"/>
-              <a:t>India (IND)</a:t>
-            </a:r>
           </a:p>
         </p:txBody>
       </p:sp>
@@ -5447,7 +6260,7 @@
           <p:nvPr>
             <p:extLst>
               <p:ext uri="{D42A27DB-BD31-4B8C-83A1-F6EECF244321}">
-                <p14:modId xmlns:p14="http://schemas.microsoft.com/office/powerpoint/2010/main" val="2861570876"/>
+                <p14:modId xmlns:p14="http://schemas.microsoft.com/office/powerpoint/2010/main" val="339599605"/>
               </p:ext>
             </p:extLst>
           </p:nvPr>
@@ -5649,7 +6462,7 @@
                       <a:pPr algn="r"/>
                       <a:r>
                         <a:rPr lang="en-US" sz="1600" dirty="0"/>
-                        <a:t>5,436.84</a:t>
+                        <a:t>$5,436.84</a:t>
                       </a:r>
                     </a:p>
                   </a:txBody>
@@ -6166,10 +6979,10 @@
       </p:grpSpPr>
       <p:pic>
         <p:nvPicPr>
-          <p:cNvPr id="5" name="Picture 4">
+          <p:cNvPr id="6" name="Picture 5">
             <a:extLst>
               <a:ext uri="{FF2B5EF4-FFF2-40B4-BE49-F238E27FC236}">
-                <a16:creationId xmlns:a16="http://schemas.microsoft.com/office/drawing/2014/main" id="{B6053BB8-BFF8-4F6E-8268-8FCCDFE3125B}"/>
+                <a16:creationId xmlns:a16="http://schemas.microsoft.com/office/drawing/2014/main" id="{181ACF46-68CF-44E6-BD7C-A6D1B3A013E8}"/>
               </a:ext>
             </a:extLst>
           </p:cNvPr>
@@ -6192,8 +7005,8 @@
         </p:blipFill>
         <p:spPr>
           <a:xfrm>
-            <a:off x="1640264" y="1015875"/>
-            <a:ext cx="8955464" cy="5441485"/>
+            <a:off x="1027523" y="1015875"/>
+            <a:ext cx="9860436" cy="5564033"/>
           </a:xfrm>
           <a:prstGeom prst="rect">
             <a:avLst/>
